--- a/Banking Mini Project/UML_Banking_System.pptx
+++ b/Banking Mini Project/UML_Banking_System.pptx
@@ -6,6 +6,7 @@
   </p:sldMasterIdLst>
   <p:sldIdLst>
     <p:sldId id="256" r:id="rId2"/>
+    <p:sldId id="257" r:id="rId3"/>
   </p:sldIdLst>
   <p:sldSz cx="12192000" cy="6858000"/>
   <p:notesSz cx="6858000" cy="9144000"/>
@@ -3326,10 +3327,3472 @@
           <a:chExt cx="0" cy="0"/>
         </a:xfrm>
       </p:grpSpPr>
+      <p:sp>
+        <p:nvSpPr>
+          <p:cNvPr id="2" name="TextBox 1">
+            <a:extLst>
+              <a:ext uri="{FF2B5EF4-FFF2-40B4-BE49-F238E27FC236}">
+                <a16:creationId xmlns:a16="http://schemas.microsoft.com/office/drawing/2014/main" id="{D21093E2-6818-C250-B87E-F171F461126C}"/>
+              </a:ext>
+            </a:extLst>
+          </p:cNvPr>
+          <p:cNvSpPr txBox="1"/>
+          <p:nvPr/>
+        </p:nvSpPr>
+        <p:spPr>
+          <a:xfrm>
+            <a:off x="894522" y="318052"/>
+            <a:ext cx="9571382" cy="369332"/>
+          </a:xfrm>
+          <a:prstGeom prst="rect">
+            <a:avLst/>
+          </a:prstGeom>
+          <a:noFill/>
+        </p:spPr>
+        <p:txBody>
+          <a:bodyPr wrap="square" rtlCol="0">
+            <a:spAutoFit/>
+          </a:bodyPr>
+          <a:lstStyle/>
+          <a:p>
+            <a:r>
+              <a:rPr lang="en-US" dirty="0"/>
+              <a:t>Database Structure (E-R Model)</a:t>
+            </a:r>
+          </a:p>
+        </p:txBody>
+      </p:sp>
+      <p:sp>
+        <p:nvSpPr>
+          <p:cNvPr id="15" name="TextBox 14">
+            <a:extLst>
+              <a:ext uri="{FF2B5EF4-FFF2-40B4-BE49-F238E27FC236}">
+                <a16:creationId xmlns:a16="http://schemas.microsoft.com/office/drawing/2014/main" id="{89571279-9387-F664-4F18-4E665BACA34F}"/>
+              </a:ext>
+            </a:extLst>
+          </p:cNvPr>
+          <p:cNvSpPr txBox="1"/>
+          <p:nvPr/>
+        </p:nvSpPr>
+        <p:spPr>
+          <a:xfrm>
+            <a:off x="894523" y="854765"/>
+            <a:ext cx="1000538" cy="246221"/>
+          </a:xfrm>
+          <a:prstGeom prst="rect">
+            <a:avLst/>
+          </a:prstGeom>
+          <a:noFill/>
+          <a:ln>
+            <a:solidFill>
+              <a:schemeClr val="accent1"/>
+            </a:solidFill>
+          </a:ln>
+        </p:spPr>
+        <p:txBody>
+          <a:bodyPr wrap="square" rtlCol="0">
+            <a:spAutoFit/>
+          </a:bodyPr>
+          <a:lstStyle/>
+          <a:p>
+            <a:r>
+              <a:rPr lang="en-US" sz="1000" dirty="0"/>
+              <a:t>Employees</a:t>
+            </a:r>
+          </a:p>
+        </p:txBody>
+      </p:sp>
+      <p:sp>
+        <p:nvSpPr>
+          <p:cNvPr id="96" name="TextBox 95">
+            <a:extLst>
+              <a:ext uri="{FF2B5EF4-FFF2-40B4-BE49-F238E27FC236}">
+                <a16:creationId xmlns:a16="http://schemas.microsoft.com/office/drawing/2014/main" id="{91E6FD0A-0CCA-D49E-7BB9-900F363E2B36}"/>
+              </a:ext>
+            </a:extLst>
+          </p:cNvPr>
+          <p:cNvSpPr txBox="1"/>
+          <p:nvPr/>
+        </p:nvSpPr>
+        <p:spPr>
+          <a:xfrm>
+            <a:off x="894522" y="1100986"/>
+            <a:ext cx="1000537" cy="1477328"/>
+          </a:xfrm>
+          <a:prstGeom prst="rect">
+            <a:avLst/>
+          </a:prstGeom>
+          <a:noFill/>
+          <a:ln>
+            <a:solidFill>
+              <a:schemeClr val="accent1"/>
+            </a:solidFill>
+          </a:ln>
+        </p:spPr>
+        <p:txBody>
+          <a:bodyPr wrap="square" rtlCol="0">
+            <a:spAutoFit/>
+          </a:bodyPr>
+          <a:lstStyle/>
+          <a:p>
+            <a:r>
+              <a:rPr lang="en-US" sz="1000" dirty="0"/>
+              <a:t>Id</a:t>
+            </a:r>
+          </a:p>
+          <a:p>
+            <a:r>
+              <a:rPr lang="en-US" sz="1000" dirty="0"/>
+              <a:t>FirstName</a:t>
+            </a:r>
+          </a:p>
+          <a:p>
+            <a:r>
+              <a:rPr lang="en-US" sz="1000" dirty="0" err="1"/>
+              <a:t>LastName</a:t>
+            </a:r>
+            <a:endParaRPr lang="en-US" sz="1000" dirty="0"/>
+          </a:p>
+          <a:p>
+            <a:r>
+              <a:rPr lang="en-US" sz="1000" dirty="0"/>
+              <a:t>AddressLine1</a:t>
+            </a:r>
+          </a:p>
+          <a:p>
+            <a:r>
+              <a:rPr lang="en-US" sz="1000" dirty="0"/>
+              <a:t>City</a:t>
+            </a:r>
+          </a:p>
+          <a:p>
+            <a:r>
+              <a:rPr lang="en-US" sz="1000" dirty="0"/>
+              <a:t>State</a:t>
+            </a:r>
+          </a:p>
+          <a:p>
+            <a:r>
+              <a:rPr lang="en-US" sz="1000" dirty="0" err="1"/>
+              <a:t>PostalCode</a:t>
+            </a:r>
+            <a:endParaRPr lang="en-US" sz="1000" dirty="0"/>
+          </a:p>
+          <a:p>
+            <a:r>
+              <a:rPr lang="en-US" sz="1000" dirty="0"/>
+              <a:t>Country</a:t>
+            </a:r>
+          </a:p>
+          <a:p>
+            <a:r>
+              <a:rPr lang="en-US" sz="1000" dirty="0" err="1"/>
+              <a:t>ServiceHandled</a:t>
+            </a:r>
+            <a:endParaRPr lang="en-US" sz="1000" dirty="0"/>
+          </a:p>
+        </p:txBody>
+      </p:sp>
+      <p:sp>
+        <p:nvSpPr>
+          <p:cNvPr id="97" name="TextBox 96">
+            <a:extLst>
+              <a:ext uri="{FF2B5EF4-FFF2-40B4-BE49-F238E27FC236}">
+                <a16:creationId xmlns:a16="http://schemas.microsoft.com/office/drawing/2014/main" id="{1C8EE25A-3613-9F5A-ACDA-9AB416B0AF6A}"/>
+              </a:ext>
+            </a:extLst>
+          </p:cNvPr>
+          <p:cNvSpPr txBox="1"/>
+          <p:nvPr/>
+        </p:nvSpPr>
+        <p:spPr>
+          <a:xfrm>
+            <a:off x="3299792" y="854765"/>
+            <a:ext cx="1139685" cy="246221"/>
+          </a:xfrm>
+          <a:prstGeom prst="rect">
+            <a:avLst/>
+          </a:prstGeom>
+          <a:noFill/>
+          <a:ln>
+            <a:solidFill>
+              <a:schemeClr val="accent1"/>
+            </a:solidFill>
+          </a:ln>
+        </p:spPr>
+        <p:txBody>
+          <a:bodyPr wrap="square" rtlCol="0">
+            <a:spAutoFit/>
+          </a:bodyPr>
+          <a:lstStyle/>
+          <a:p>
+            <a:r>
+              <a:rPr lang="en-US" sz="1000" dirty="0"/>
+              <a:t>Customers</a:t>
+            </a:r>
+          </a:p>
+        </p:txBody>
+      </p:sp>
+      <p:sp>
+        <p:nvSpPr>
+          <p:cNvPr id="99" name="TextBox 98">
+            <a:extLst>
+              <a:ext uri="{FF2B5EF4-FFF2-40B4-BE49-F238E27FC236}">
+                <a16:creationId xmlns:a16="http://schemas.microsoft.com/office/drawing/2014/main" id="{3616DFD4-FC07-D280-DE32-273303FCA74E}"/>
+              </a:ext>
+            </a:extLst>
+          </p:cNvPr>
+          <p:cNvSpPr txBox="1"/>
+          <p:nvPr/>
+        </p:nvSpPr>
+        <p:spPr>
+          <a:xfrm>
+            <a:off x="3299792" y="1100986"/>
+            <a:ext cx="1139686" cy="1785104"/>
+          </a:xfrm>
+          <a:prstGeom prst="rect">
+            <a:avLst/>
+          </a:prstGeom>
+          <a:noFill/>
+          <a:ln>
+            <a:solidFill>
+              <a:schemeClr val="accent1"/>
+            </a:solidFill>
+          </a:ln>
+        </p:spPr>
+        <p:txBody>
+          <a:bodyPr wrap="square" rtlCol="0">
+            <a:spAutoFit/>
+          </a:bodyPr>
+          <a:lstStyle/>
+          <a:p>
+            <a:r>
+              <a:rPr lang="en-US" sz="1000" dirty="0" err="1"/>
+              <a:t>CustomerId</a:t>
+            </a:r>
+            <a:endParaRPr lang="en-US" sz="1000" dirty="0"/>
+          </a:p>
+          <a:p>
+            <a:r>
+              <a:rPr lang="en-US" sz="1000" dirty="0"/>
+              <a:t>FirstName</a:t>
+            </a:r>
+          </a:p>
+          <a:p>
+            <a:r>
+              <a:rPr lang="en-US" sz="1000" dirty="0" err="1"/>
+              <a:t>LastName</a:t>
+            </a:r>
+            <a:endParaRPr lang="en-US" sz="1000" dirty="0"/>
+          </a:p>
+          <a:p>
+            <a:r>
+              <a:rPr lang="en-US" sz="1000" dirty="0"/>
+              <a:t>AddressLine1</a:t>
+            </a:r>
+          </a:p>
+          <a:p>
+            <a:r>
+              <a:rPr lang="en-US" sz="1000" dirty="0"/>
+              <a:t>City</a:t>
+            </a:r>
+          </a:p>
+          <a:p>
+            <a:r>
+              <a:rPr lang="en-US" sz="1000" dirty="0"/>
+              <a:t>State</a:t>
+            </a:r>
+          </a:p>
+          <a:p>
+            <a:r>
+              <a:rPr lang="en-US" sz="1000" dirty="0" err="1"/>
+              <a:t>PostalCode</a:t>
+            </a:r>
+            <a:endParaRPr lang="en-US" sz="1000" dirty="0"/>
+          </a:p>
+          <a:p>
+            <a:r>
+              <a:rPr lang="en-US" sz="1000" dirty="0"/>
+              <a:t>Country</a:t>
+            </a:r>
+          </a:p>
+          <a:p>
+            <a:r>
+              <a:rPr lang="en-US" sz="1000" dirty="0" err="1"/>
+              <a:t>CustomerType</a:t>
+            </a:r>
+            <a:endParaRPr lang="en-US" sz="1000" dirty="0"/>
+          </a:p>
+          <a:p>
+            <a:r>
+              <a:rPr lang="en-US" sz="1000" dirty="0" err="1"/>
+              <a:t>CompanyName</a:t>
+            </a:r>
+            <a:endParaRPr lang="en-US" sz="1000" dirty="0"/>
+          </a:p>
+          <a:p>
+            <a:r>
+              <a:rPr lang="en-US" sz="1000" dirty="0" err="1"/>
+              <a:t>PersonalBankerId</a:t>
+            </a:r>
+            <a:endParaRPr lang="en-US" sz="1000" dirty="0"/>
+          </a:p>
+        </p:txBody>
+      </p:sp>
+      <p:sp>
+        <p:nvSpPr>
+          <p:cNvPr id="101" name="TextBox 100">
+            <a:extLst>
+              <a:ext uri="{FF2B5EF4-FFF2-40B4-BE49-F238E27FC236}">
+                <a16:creationId xmlns:a16="http://schemas.microsoft.com/office/drawing/2014/main" id="{30DBA49E-9538-FB2F-C4FD-8608ADC7E155}"/>
+              </a:ext>
+            </a:extLst>
+          </p:cNvPr>
+          <p:cNvSpPr txBox="1"/>
+          <p:nvPr/>
+        </p:nvSpPr>
+        <p:spPr>
+          <a:xfrm>
+            <a:off x="4956315" y="848141"/>
+            <a:ext cx="1868554" cy="246221"/>
+          </a:xfrm>
+          <a:prstGeom prst="rect">
+            <a:avLst/>
+          </a:prstGeom>
+          <a:noFill/>
+          <a:ln>
+            <a:solidFill>
+              <a:schemeClr val="accent1"/>
+            </a:solidFill>
+          </a:ln>
+        </p:spPr>
+        <p:txBody>
+          <a:bodyPr wrap="square" rtlCol="0">
+            <a:spAutoFit/>
+          </a:bodyPr>
+          <a:lstStyle/>
+          <a:p>
+            <a:r>
+              <a:rPr lang="en-US" sz="1000" dirty="0" err="1"/>
+              <a:t>AccountServices</a:t>
+            </a:r>
+            <a:endParaRPr lang="en-US" sz="1000" dirty="0"/>
+          </a:p>
+        </p:txBody>
+      </p:sp>
+      <p:sp>
+        <p:nvSpPr>
+          <p:cNvPr id="102" name="TextBox 101">
+            <a:extLst>
+              <a:ext uri="{FF2B5EF4-FFF2-40B4-BE49-F238E27FC236}">
+                <a16:creationId xmlns:a16="http://schemas.microsoft.com/office/drawing/2014/main" id="{414F4623-5C83-D10C-C3A9-18DAD2F244CA}"/>
+              </a:ext>
+            </a:extLst>
+          </p:cNvPr>
+          <p:cNvSpPr txBox="1"/>
+          <p:nvPr/>
+        </p:nvSpPr>
+        <p:spPr>
+          <a:xfrm>
+            <a:off x="4956314" y="1094362"/>
+            <a:ext cx="1868555" cy="1631216"/>
+          </a:xfrm>
+          <a:prstGeom prst="rect">
+            <a:avLst/>
+          </a:prstGeom>
+          <a:noFill/>
+          <a:ln>
+            <a:solidFill>
+              <a:schemeClr val="accent1"/>
+            </a:solidFill>
+          </a:ln>
+        </p:spPr>
+        <p:txBody>
+          <a:bodyPr wrap="square" rtlCol="0">
+            <a:spAutoFit/>
+          </a:bodyPr>
+          <a:lstStyle/>
+          <a:p>
+            <a:r>
+              <a:rPr lang="en-US" sz="1000" dirty="0" err="1"/>
+              <a:t>AccountServiceId</a:t>
+            </a:r>
+            <a:endParaRPr lang="en-US" sz="1000" dirty="0"/>
+          </a:p>
+          <a:p>
+            <a:r>
+              <a:rPr lang="en-US" sz="1000" dirty="0" err="1"/>
+              <a:t>ServiceType</a:t>
+            </a:r>
+            <a:endParaRPr lang="en-US" sz="1000" dirty="0"/>
+          </a:p>
+          <a:p>
+            <a:r>
+              <a:rPr lang="en-US" sz="1000" dirty="0" err="1"/>
+              <a:t>MaximumCreditScore</a:t>
+            </a:r>
+            <a:endParaRPr lang="en-US" sz="1000" dirty="0"/>
+          </a:p>
+          <a:p>
+            <a:r>
+              <a:rPr lang="en-US" sz="1000" dirty="0" err="1"/>
+              <a:t>MinimumBalance</a:t>
+            </a:r>
+            <a:endParaRPr lang="en-US" sz="1000" dirty="0"/>
+          </a:p>
+          <a:p>
+            <a:r>
+              <a:rPr lang="en-US" sz="1000" dirty="0" err="1"/>
+              <a:t>MonthlyFees</a:t>
+            </a:r>
+            <a:endParaRPr lang="en-US" sz="1000" dirty="0"/>
+          </a:p>
+          <a:p>
+            <a:r>
+              <a:rPr lang="en-US" sz="1000" dirty="0" err="1"/>
+              <a:t>FreeTransactionCountPerMonth</a:t>
+            </a:r>
+            <a:endParaRPr lang="en-US" sz="1000" dirty="0"/>
+          </a:p>
+          <a:p>
+            <a:r>
+              <a:rPr lang="en-US" sz="1000" dirty="0" err="1"/>
+              <a:t>TransactionFees</a:t>
+            </a:r>
+            <a:endParaRPr lang="en-US" sz="1000" dirty="0"/>
+          </a:p>
+          <a:p>
+            <a:r>
+              <a:rPr lang="en-US" sz="1000" dirty="0" err="1"/>
+              <a:t>InterestRate</a:t>
+            </a:r>
+            <a:endParaRPr lang="en-US" sz="1000" dirty="0"/>
+          </a:p>
+          <a:p>
+            <a:r>
+              <a:rPr lang="en-US" sz="1000" dirty="0" err="1"/>
+              <a:t>WithdrawalLimitPerDay</a:t>
+            </a:r>
+            <a:endParaRPr lang="en-US" sz="1000" dirty="0"/>
+          </a:p>
+          <a:p>
+            <a:r>
+              <a:rPr lang="en-US" sz="1000" dirty="0" err="1"/>
+              <a:t>IsDirectDeposit</a:t>
+            </a:r>
+            <a:endParaRPr lang="en-US" sz="1000" dirty="0"/>
+          </a:p>
+        </p:txBody>
+      </p:sp>
+      <p:sp>
+        <p:nvSpPr>
+          <p:cNvPr id="103" name="TextBox 102">
+            <a:extLst>
+              <a:ext uri="{FF2B5EF4-FFF2-40B4-BE49-F238E27FC236}">
+                <a16:creationId xmlns:a16="http://schemas.microsoft.com/office/drawing/2014/main" id="{8E4C60FC-52D1-E23D-E447-24433A841BCF}"/>
+              </a:ext>
+            </a:extLst>
+          </p:cNvPr>
+          <p:cNvSpPr txBox="1"/>
+          <p:nvPr/>
+        </p:nvSpPr>
+        <p:spPr>
+          <a:xfrm>
+            <a:off x="7500731" y="854765"/>
+            <a:ext cx="1444486" cy="246221"/>
+          </a:xfrm>
+          <a:prstGeom prst="rect">
+            <a:avLst/>
+          </a:prstGeom>
+          <a:noFill/>
+          <a:ln>
+            <a:solidFill>
+              <a:schemeClr val="accent1"/>
+            </a:solidFill>
+          </a:ln>
+        </p:spPr>
+        <p:txBody>
+          <a:bodyPr wrap="square" rtlCol="0">
+            <a:spAutoFit/>
+          </a:bodyPr>
+          <a:lstStyle/>
+          <a:p>
+            <a:r>
+              <a:rPr lang="en-US" sz="1000" dirty="0" err="1"/>
+              <a:t>LoanServices</a:t>
+            </a:r>
+            <a:endParaRPr lang="en-US" sz="1000" dirty="0"/>
+          </a:p>
+        </p:txBody>
+      </p:sp>
+      <p:sp>
+        <p:nvSpPr>
+          <p:cNvPr id="104" name="TextBox 103">
+            <a:extLst>
+              <a:ext uri="{FF2B5EF4-FFF2-40B4-BE49-F238E27FC236}">
+                <a16:creationId xmlns:a16="http://schemas.microsoft.com/office/drawing/2014/main" id="{83085410-91B2-666C-FF13-ECB3AF2B1A64}"/>
+              </a:ext>
+            </a:extLst>
+          </p:cNvPr>
+          <p:cNvSpPr txBox="1"/>
+          <p:nvPr/>
+        </p:nvSpPr>
+        <p:spPr>
+          <a:xfrm>
+            <a:off x="7500730" y="1100986"/>
+            <a:ext cx="1444487" cy="1323439"/>
+          </a:xfrm>
+          <a:prstGeom prst="rect">
+            <a:avLst/>
+          </a:prstGeom>
+          <a:noFill/>
+          <a:ln>
+            <a:solidFill>
+              <a:schemeClr val="accent1"/>
+            </a:solidFill>
+          </a:ln>
+        </p:spPr>
+        <p:txBody>
+          <a:bodyPr wrap="square" rtlCol="0">
+            <a:spAutoFit/>
+          </a:bodyPr>
+          <a:lstStyle/>
+          <a:p>
+            <a:r>
+              <a:rPr lang="en-US" sz="1000" dirty="0" err="1"/>
+              <a:t>LoanServiceId</a:t>
+            </a:r>
+            <a:endParaRPr lang="en-US" sz="1000" dirty="0"/>
+          </a:p>
+          <a:p>
+            <a:r>
+              <a:rPr lang="en-US" sz="1000" dirty="0" err="1"/>
+              <a:t>ServiceType</a:t>
+            </a:r>
+            <a:endParaRPr lang="en-US" sz="1000" dirty="0"/>
+          </a:p>
+          <a:p>
+            <a:r>
+              <a:rPr lang="en-US" sz="1000" dirty="0" err="1"/>
+              <a:t>MinimumLoanAmount</a:t>
+            </a:r>
+            <a:endParaRPr lang="en-US" sz="1000" dirty="0"/>
+          </a:p>
+          <a:p>
+            <a:r>
+              <a:rPr lang="en-US" sz="1000" dirty="0" err="1"/>
+              <a:t>MaximumLoanAmount</a:t>
+            </a:r>
+            <a:endParaRPr lang="en-US" sz="1000" dirty="0"/>
+          </a:p>
+          <a:p>
+            <a:r>
+              <a:rPr lang="en-US" sz="1000" dirty="0" err="1"/>
+              <a:t>InterestRate</a:t>
+            </a:r>
+            <a:endParaRPr lang="en-US" sz="1000" dirty="0"/>
+          </a:p>
+          <a:p>
+            <a:r>
+              <a:rPr lang="en-US" sz="1000" dirty="0" err="1"/>
+              <a:t>PeriodInMonths</a:t>
+            </a:r>
+            <a:endParaRPr lang="en-US" sz="1000" dirty="0"/>
+          </a:p>
+          <a:p>
+            <a:r>
+              <a:rPr lang="en-US" sz="1000" dirty="0" err="1"/>
+              <a:t>LoanCostPercentage</a:t>
+            </a:r>
+            <a:endParaRPr lang="en-US" sz="1000" dirty="0"/>
+          </a:p>
+          <a:p>
+            <a:r>
+              <a:rPr lang="en-US" sz="1000" dirty="0" err="1"/>
+              <a:t>LateFee</a:t>
+            </a:r>
+            <a:endParaRPr lang="en-US" sz="1000" dirty="0"/>
+          </a:p>
+        </p:txBody>
+      </p:sp>
+      <p:sp>
+        <p:nvSpPr>
+          <p:cNvPr id="106" name="TextBox 105">
+            <a:extLst>
+              <a:ext uri="{FF2B5EF4-FFF2-40B4-BE49-F238E27FC236}">
+                <a16:creationId xmlns:a16="http://schemas.microsoft.com/office/drawing/2014/main" id="{032B6736-A362-A4BB-7428-84186CB7466C}"/>
+              </a:ext>
+            </a:extLst>
+          </p:cNvPr>
+          <p:cNvSpPr txBox="1"/>
+          <p:nvPr/>
+        </p:nvSpPr>
+        <p:spPr>
+          <a:xfrm>
+            <a:off x="5088834" y="3725690"/>
+            <a:ext cx="1616763" cy="246221"/>
+          </a:xfrm>
+          <a:prstGeom prst="rect">
+            <a:avLst/>
+          </a:prstGeom>
+          <a:noFill/>
+          <a:ln>
+            <a:solidFill>
+              <a:schemeClr val="accent1"/>
+            </a:solidFill>
+          </a:ln>
+        </p:spPr>
+        <p:txBody>
+          <a:bodyPr wrap="square" rtlCol="0">
+            <a:spAutoFit/>
+          </a:bodyPr>
+          <a:lstStyle/>
+          <a:p>
+            <a:r>
+              <a:rPr lang="en-US" sz="1000" dirty="0" err="1"/>
+              <a:t>CustomerAccountSummary</a:t>
+            </a:r>
+            <a:endParaRPr lang="en-US" sz="1000" dirty="0"/>
+          </a:p>
+        </p:txBody>
+      </p:sp>
+      <p:sp>
+        <p:nvSpPr>
+          <p:cNvPr id="107" name="TextBox 106">
+            <a:extLst>
+              <a:ext uri="{FF2B5EF4-FFF2-40B4-BE49-F238E27FC236}">
+                <a16:creationId xmlns:a16="http://schemas.microsoft.com/office/drawing/2014/main" id="{1632B35C-7833-D796-FE20-8073D55D1D7F}"/>
+              </a:ext>
+            </a:extLst>
+          </p:cNvPr>
+          <p:cNvSpPr txBox="1"/>
+          <p:nvPr/>
+        </p:nvSpPr>
+        <p:spPr>
+          <a:xfrm>
+            <a:off x="5088833" y="3971911"/>
+            <a:ext cx="1616763" cy="1015663"/>
+          </a:xfrm>
+          <a:prstGeom prst="rect">
+            <a:avLst/>
+          </a:prstGeom>
+          <a:noFill/>
+          <a:ln>
+            <a:solidFill>
+              <a:schemeClr val="accent1"/>
+            </a:solidFill>
+          </a:ln>
+        </p:spPr>
+        <p:txBody>
+          <a:bodyPr wrap="square" rtlCol="0">
+            <a:spAutoFit/>
+          </a:bodyPr>
+          <a:lstStyle/>
+          <a:p>
+            <a:r>
+              <a:rPr lang="en-US" sz="1000" dirty="0" err="1"/>
+              <a:t>AccountId</a:t>
+            </a:r>
+            <a:endParaRPr lang="en-US" sz="1000" dirty="0"/>
+          </a:p>
+          <a:p>
+            <a:r>
+              <a:rPr lang="en-US" sz="1000" dirty="0" err="1"/>
+              <a:t>CustomerId</a:t>
+            </a:r>
+            <a:endParaRPr lang="en-US" sz="1000" dirty="0"/>
+          </a:p>
+          <a:p>
+            <a:r>
+              <a:rPr lang="en-US" sz="1000" dirty="0" err="1"/>
+              <a:t>AccountType</a:t>
+            </a:r>
+            <a:endParaRPr lang="en-US" sz="1000" dirty="0"/>
+          </a:p>
+          <a:p>
+            <a:r>
+              <a:rPr lang="en-US" sz="1000" dirty="0" err="1"/>
+              <a:t>ServiceId</a:t>
+            </a:r>
+            <a:endParaRPr lang="en-US" sz="1000" dirty="0"/>
+          </a:p>
+          <a:p>
+            <a:r>
+              <a:rPr lang="en-US" sz="1000" dirty="0" err="1"/>
+              <a:t>CreditScore</a:t>
+            </a:r>
+            <a:endParaRPr lang="en-US" sz="1000" dirty="0"/>
+          </a:p>
+          <a:p>
+            <a:r>
+              <a:rPr lang="en-US" sz="1000" dirty="0" err="1"/>
+              <a:t>OriginalBalance</a:t>
+            </a:r>
+            <a:endParaRPr lang="en-US" sz="1000" dirty="0"/>
+          </a:p>
+        </p:txBody>
+      </p:sp>
+      <p:sp>
+        <p:nvSpPr>
+          <p:cNvPr id="108" name="TextBox 107">
+            <a:extLst>
+              <a:ext uri="{FF2B5EF4-FFF2-40B4-BE49-F238E27FC236}">
+                <a16:creationId xmlns:a16="http://schemas.microsoft.com/office/drawing/2014/main" id="{41340C3D-2451-A447-BEE1-6731560AEF8B}"/>
+              </a:ext>
+            </a:extLst>
+          </p:cNvPr>
+          <p:cNvSpPr txBox="1"/>
+          <p:nvPr/>
+        </p:nvSpPr>
+        <p:spPr>
+          <a:xfrm>
+            <a:off x="8567530" y="3725690"/>
+            <a:ext cx="1477614" cy="246221"/>
+          </a:xfrm>
+          <a:prstGeom prst="rect">
+            <a:avLst/>
+          </a:prstGeom>
+          <a:noFill/>
+          <a:ln>
+            <a:solidFill>
+              <a:schemeClr val="accent1"/>
+            </a:solidFill>
+          </a:ln>
+        </p:spPr>
+        <p:txBody>
+          <a:bodyPr wrap="square" rtlCol="0">
+            <a:spAutoFit/>
+          </a:bodyPr>
+          <a:lstStyle/>
+          <a:p>
+            <a:r>
+              <a:rPr lang="en-US" sz="1000" dirty="0" err="1"/>
+              <a:t>CustomerAccountDetail</a:t>
+            </a:r>
+            <a:endParaRPr lang="en-US" sz="1000" dirty="0"/>
+          </a:p>
+        </p:txBody>
+      </p:sp>
+      <p:sp>
+        <p:nvSpPr>
+          <p:cNvPr id="109" name="TextBox 108">
+            <a:extLst>
+              <a:ext uri="{FF2B5EF4-FFF2-40B4-BE49-F238E27FC236}">
+                <a16:creationId xmlns:a16="http://schemas.microsoft.com/office/drawing/2014/main" id="{4C901603-818A-B704-2E4B-E209A344649C}"/>
+              </a:ext>
+            </a:extLst>
+          </p:cNvPr>
+          <p:cNvSpPr txBox="1"/>
+          <p:nvPr/>
+        </p:nvSpPr>
+        <p:spPr>
+          <a:xfrm>
+            <a:off x="8567529" y="3971911"/>
+            <a:ext cx="1477613" cy="1015663"/>
+          </a:xfrm>
+          <a:prstGeom prst="rect">
+            <a:avLst/>
+          </a:prstGeom>
+          <a:noFill/>
+          <a:ln>
+            <a:solidFill>
+              <a:schemeClr val="accent1"/>
+            </a:solidFill>
+          </a:ln>
+        </p:spPr>
+        <p:txBody>
+          <a:bodyPr wrap="square" rtlCol="0">
+            <a:spAutoFit/>
+          </a:bodyPr>
+          <a:lstStyle/>
+          <a:p>
+            <a:r>
+              <a:rPr lang="en-US" sz="1000" dirty="0" err="1"/>
+              <a:t>AccountDetailId</a:t>
+            </a:r>
+            <a:endParaRPr lang="en-US" sz="1000" dirty="0"/>
+          </a:p>
+          <a:p>
+            <a:r>
+              <a:rPr lang="en-US" sz="1000" dirty="0" err="1"/>
+              <a:t>AccountId</a:t>
+            </a:r>
+            <a:endParaRPr lang="en-US" sz="1000" dirty="0"/>
+          </a:p>
+          <a:p>
+            <a:r>
+              <a:rPr lang="en-US" sz="1000" dirty="0" err="1"/>
+              <a:t>TransactionTime</a:t>
+            </a:r>
+            <a:endParaRPr lang="en-US" sz="1000" dirty="0"/>
+          </a:p>
+          <a:p>
+            <a:r>
+              <a:rPr lang="en-US" sz="1000" dirty="0" err="1"/>
+              <a:t>WithdrawalAmount</a:t>
+            </a:r>
+            <a:endParaRPr lang="en-US" sz="1000" dirty="0"/>
+          </a:p>
+          <a:p>
+            <a:r>
+              <a:rPr lang="en-US" sz="1000" dirty="0" err="1"/>
+              <a:t>DepositAmount</a:t>
+            </a:r>
+            <a:endParaRPr lang="en-US" sz="1000" dirty="0"/>
+          </a:p>
+          <a:p>
+            <a:r>
+              <a:rPr lang="en-US" sz="1000" dirty="0" err="1"/>
+              <a:t>TransactionNotes</a:t>
+            </a:r>
+            <a:endParaRPr lang="en-US" sz="1000" dirty="0"/>
+          </a:p>
+        </p:txBody>
+      </p:sp>
+      <p:cxnSp>
+        <p:nvCxnSpPr>
+          <p:cNvPr id="58" name="Straight Connector 57">
+            <a:extLst>
+              <a:ext uri="{FF2B5EF4-FFF2-40B4-BE49-F238E27FC236}">
+                <a16:creationId xmlns:a16="http://schemas.microsoft.com/office/drawing/2014/main" id="{C938D20C-0467-C721-B4C2-E78EBE1ABFE7}"/>
+              </a:ext>
+            </a:extLst>
+          </p:cNvPr>
+          <p:cNvCxnSpPr>
+            <a:cxnSpLocks/>
+            <a:stCxn id="96" idx="3"/>
+          </p:cNvCxnSpPr>
+          <p:nvPr/>
+        </p:nvCxnSpPr>
+        <p:spPr>
+          <a:xfrm flipV="1">
+            <a:off x="1895059" y="1827599"/>
+            <a:ext cx="1404731" cy="12051"/>
+          </a:xfrm>
+          <a:prstGeom prst="line">
+            <a:avLst/>
+          </a:prstGeom>
+        </p:spPr>
+        <p:style>
+          <a:lnRef idx="1">
+            <a:schemeClr val="accent1"/>
+          </a:lnRef>
+          <a:fillRef idx="0">
+            <a:schemeClr val="accent1"/>
+          </a:fillRef>
+          <a:effectRef idx="0">
+            <a:schemeClr val="accent1"/>
+          </a:effectRef>
+          <a:fontRef idx="minor">
+            <a:schemeClr val="tx1"/>
+          </a:fontRef>
+        </p:style>
+      </p:cxnSp>
+      <p:cxnSp>
+        <p:nvCxnSpPr>
+          <p:cNvPr id="62" name="Straight Connector 61">
+            <a:extLst>
+              <a:ext uri="{FF2B5EF4-FFF2-40B4-BE49-F238E27FC236}">
+                <a16:creationId xmlns:a16="http://schemas.microsoft.com/office/drawing/2014/main" id="{0B3A8C20-E334-1CCC-5A77-E24FCB1B3399}"/>
+              </a:ext>
+            </a:extLst>
+          </p:cNvPr>
+          <p:cNvCxnSpPr>
+            <a:cxnSpLocks/>
+          </p:cNvCxnSpPr>
+          <p:nvPr/>
+        </p:nvCxnSpPr>
+        <p:spPr>
+          <a:xfrm flipV="1">
+            <a:off x="3180521" y="1593429"/>
+            <a:ext cx="119269" cy="246221"/>
+          </a:xfrm>
+          <a:prstGeom prst="line">
+            <a:avLst/>
+          </a:prstGeom>
+        </p:spPr>
+        <p:style>
+          <a:lnRef idx="1">
+            <a:schemeClr val="accent1"/>
+          </a:lnRef>
+          <a:fillRef idx="0">
+            <a:schemeClr val="accent1"/>
+          </a:fillRef>
+          <a:effectRef idx="0">
+            <a:schemeClr val="accent1"/>
+          </a:effectRef>
+          <a:fontRef idx="minor">
+            <a:schemeClr val="tx1"/>
+          </a:fontRef>
+        </p:style>
+      </p:cxnSp>
+      <p:cxnSp>
+        <p:nvCxnSpPr>
+          <p:cNvPr id="74" name="Straight Connector 73">
+            <a:extLst>
+              <a:ext uri="{FF2B5EF4-FFF2-40B4-BE49-F238E27FC236}">
+                <a16:creationId xmlns:a16="http://schemas.microsoft.com/office/drawing/2014/main" id="{942A9CA8-6A2A-CDB1-B993-BAA7704C8986}"/>
+              </a:ext>
+            </a:extLst>
+          </p:cNvPr>
+          <p:cNvCxnSpPr>
+            <a:cxnSpLocks/>
+          </p:cNvCxnSpPr>
+          <p:nvPr/>
+        </p:nvCxnSpPr>
+        <p:spPr>
+          <a:xfrm>
+            <a:off x="3180521" y="1846562"/>
+            <a:ext cx="119269" cy="287038"/>
+          </a:xfrm>
+          <a:prstGeom prst="line">
+            <a:avLst/>
+          </a:prstGeom>
+        </p:spPr>
+        <p:style>
+          <a:lnRef idx="1">
+            <a:schemeClr val="accent1"/>
+          </a:lnRef>
+          <a:fillRef idx="0">
+            <a:schemeClr val="accent1"/>
+          </a:fillRef>
+          <a:effectRef idx="0">
+            <a:schemeClr val="accent1"/>
+          </a:effectRef>
+          <a:fontRef idx="minor">
+            <a:schemeClr val="tx1"/>
+          </a:fontRef>
+        </p:style>
+      </p:cxnSp>
+      <p:cxnSp>
+        <p:nvCxnSpPr>
+          <p:cNvPr id="80" name="Straight Connector 79">
+            <a:extLst>
+              <a:ext uri="{FF2B5EF4-FFF2-40B4-BE49-F238E27FC236}">
+                <a16:creationId xmlns:a16="http://schemas.microsoft.com/office/drawing/2014/main" id="{49E48CBA-4FED-5BF5-7BA4-74E12C367F31}"/>
+              </a:ext>
+            </a:extLst>
+          </p:cNvPr>
+          <p:cNvCxnSpPr>
+            <a:cxnSpLocks/>
+          </p:cNvCxnSpPr>
+          <p:nvPr/>
+        </p:nvCxnSpPr>
+        <p:spPr>
+          <a:xfrm>
+            <a:off x="2054087" y="1593429"/>
+            <a:ext cx="0" cy="434154"/>
+          </a:xfrm>
+          <a:prstGeom prst="line">
+            <a:avLst/>
+          </a:prstGeom>
+        </p:spPr>
+        <p:style>
+          <a:lnRef idx="1">
+            <a:schemeClr val="accent1"/>
+          </a:lnRef>
+          <a:fillRef idx="0">
+            <a:schemeClr val="accent1"/>
+          </a:fillRef>
+          <a:effectRef idx="0">
+            <a:schemeClr val="accent1"/>
+          </a:effectRef>
+          <a:fontRef idx="minor">
+            <a:schemeClr val="tx1"/>
+          </a:fontRef>
+        </p:style>
+      </p:cxnSp>
+      <p:sp>
+        <p:nvSpPr>
+          <p:cNvPr id="81" name="TextBox 80">
+            <a:extLst>
+              <a:ext uri="{FF2B5EF4-FFF2-40B4-BE49-F238E27FC236}">
+                <a16:creationId xmlns:a16="http://schemas.microsoft.com/office/drawing/2014/main" id="{811F7D44-CD0C-D4D9-E943-00EC4CFD86F7}"/>
+              </a:ext>
+            </a:extLst>
+          </p:cNvPr>
+          <p:cNvSpPr txBox="1"/>
+          <p:nvPr/>
+        </p:nvSpPr>
+        <p:spPr>
+          <a:xfrm>
+            <a:off x="2133601" y="1470318"/>
+            <a:ext cx="967407" cy="369332"/>
+          </a:xfrm>
+          <a:prstGeom prst="rect">
+            <a:avLst/>
+          </a:prstGeom>
+          <a:noFill/>
+        </p:spPr>
+        <p:txBody>
+          <a:bodyPr wrap="square" rtlCol="0">
+            <a:spAutoFit/>
+          </a:bodyPr>
+          <a:lstStyle/>
+          <a:p>
+            <a:r>
+              <a:rPr lang="en-US" dirty="0"/>
+              <a:t>Services</a:t>
+            </a:r>
+          </a:p>
+        </p:txBody>
+      </p:sp>
+      <p:cxnSp>
+        <p:nvCxnSpPr>
+          <p:cNvPr id="90" name="Elbow Connector 89">
+            <a:extLst>
+              <a:ext uri="{FF2B5EF4-FFF2-40B4-BE49-F238E27FC236}">
+                <a16:creationId xmlns:a16="http://schemas.microsoft.com/office/drawing/2014/main" id="{1858B727-6D78-89E3-D746-068D3126C402}"/>
+              </a:ext>
+            </a:extLst>
+          </p:cNvPr>
+          <p:cNvCxnSpPr>
+            <a:stCxn id="99" idx="2"/>
+            <a:endCxn id="107" idx="1"/>
+          </p:cNvCxnSpPr>
+          <p:nvPr/>
+        </p:nvCxnSpPr>
+        <p:spPr>
+          <a:xfrm rot="16200000" flipH="1">
+            <a:off x="3682408" y="3073317"/>
+            <a:ext cx="1593653" cy="1219198"/>
+          </a:xfrm>
+          <a:prstGeom prst="bentConnector2">
+            <a:avLst/>
+          </a:prstGeom>
+        </p:spPr>
+        <p:style>
+          <a:lnRef idx="1">
+            <a:schemeClr val="accent1"/>
+          </a:lnRef>
+          <a:fillRef idx="0">
+            <a:schemeClr val="accent1"/>
+          </a:fillRef>
+          <a:effectRef idx="0">
+            <a:schemeClr val="accent1"/>
+          </a:effectRef>
+          <a:fontRef idx="minor">
+            <a:schemeClr val="tx1"/>
+          </a:fontRef>
+        </p:style>
+      </p:cxnSp>
+      <p:cxnSp>
+        <p:nvCxnSpPr>
+          <p:cNvPr id="95" name="Straight Connector 94">
+            <a:extLst>
+              <a:ext uri="{FF2B5EF4-FFF2-40B4-BE49-F238E27FC236}">
+                <a16:creationId xmlns:a16="http://schemas.microsoft.com/office/drawing/2014/main" id="{679F6DF3-554B-F142-868F-C65B2BDC8C9E}"/>
+              </a:ext>
+            </a:extLst>
+          </p:cNvPr>
+          <p:cNvCxnSpPr/>
+          <p:nvPr/>
+        </p:nvCxnSpPr>
+        <p:spPr>
+          <a:xfrm flipV="1">
+            <a:off x="4850296" y="4333461"/>
+            <a:ext cx="238537" cy="146281"/>
+          </a:xfrm>
+          <a:prstGeom prst="line">
+            <a:avLst/>
+          </a:prstGeom>
+        </p:spPr>
+        <p:style>
+          <a:lnRef idx="1">
+            <a:schemeClr val="accent1"/>
+          </a:lnRef>
+          <a:fillRef idx="0">
+            <a:schemeClr val="accent1"/>
+          </a:fillRef>
+          <a:effectRef idx="0">
+            <a:schemeClr val="accent1"/>
+          </a:effectRef>
+          <a:fontRef idx="minor">
+            <a:schemeClr val="tx1"/>
+          </a:fontRef>
+        </p:style>
+      </p:cxnSp>
+      <p:cxnSp>
+        <p:nvCxnSpPr>
+          <p:cNvPr id="132" name="Straight Connector 131">
+            <a:extLst>
+              <a:ext uri="{FF2B5EF4-FFF2-40B4-BE49-F238E27FC236}">
+                <a16:creationId xmlns:a16="http://schemas.microsoft.com/office/drawing/2014/main" id="{FBFE8D7A-B084-AD84-FA06-3F57E483B436}"/>
+              </a:ext>
+            </a:extLst>
+          </p:cNvPr>
+          <p:cNvCxnSpPr>
+            <a:cxnSpLocks/>
+          </p:cNvCxnSpPr>
+          <p:nvPr/>
+        </p:nvCxnSpPr>
+        <p:spPr>
+          <a:xfrm>
+            <a:off x="4850296" y="4510681"/>
+            <a:ext cx="238535" cy="129573"/>
+          </a:xfrm>
+          <a:prstGeom prst="line">
+            <a:avLst/>
+          </a:prstGeom>
+        </p:spPr>
+        <p:style>
+          <a:lnRef idx="1">
+            <a:schemeClr val="accent1"/>
+          </a:lnRef>
+          <a:fillRef idx="0">
+            <a:schemeClr val="accent1"/>
+          </a:fillRef>
+          <a:effectRef idx="0">
+            <a:schemeClr val="accent1"/>
+          </a:effectRef>
+          <a:fontRef idx="minor">
+            <a:schemeClr val="tx1"/>
+          </a:fontRef>
+        </p:style>
+      </p:cxnSp>
+      <p:cxnSp>
+        <p:nvCxnSpPr>
+          <p:cNvPr id="137" name="Straight Connector 136">
+            <a:extLst>
+              <a:ext uri="{FF2B5EF4-FFF2-40B4-BE49-F238E27FC236}">
+                <a16:creationId xmlns:a16="http://schemas.microsoft.com/office/drawing/2014/main" id="{D53CD4B0-BFD3-B5D4-31E9-E2C941EADB97}"/>
+              </a:ext>
+            </a:extLst>
+          </p:cNvPr>
+          <p:cNvCxnSpPr>
+            <a:cxnSpLocks/>
+          </p:cNvCxnSpPr>
+          <p:nvPr/>
+        </p:nvCxnSpPr>
+        <p:spPr>
+          <a:xfrm>
+            <a:off x="3584712" y="3172167"/>
+            <a:ext cx="569844" cy="0"/>
+          </a:xfrm>
+          <a:prstGeom prst="line">
+            <a:avLst/>
+          </a:prstGeom>
+        </p:spPr>
+        <p:style>
+          <a:lnRef idx="1">
+            <a:schemeClr val="accent1"/>
+          </a:lnRef>
+          <a:fillRef idx="0">
+            <a:schemeClr val="accent1"/>
+          </a:fillRef>
+          <a:effectRef idx="0">
+            <a:schemeClr val="accent1"/>
+          </a:effectRef>
+          <a:fontRef idx="minor">
+            <a:schemeClr val="tx1"/>
+          </a:fontRef>
+        </p:style>
+      </p:cxnSp>
+      <p:sp>
+        <p:nvSpPr>
+          <p:cNvPr id="139" name="TextBox 138">
+            <a:extLst>
+              <a:ext uri="{FF2B5EF4-FFF2-40B4-BE49-F238E27FC236}">
+                <a16:creationId xmlns:a16="http://schemas.microsoft.com/office/drawing/2014/main" id="{6AB07FBC-6B7D-F6D5-C2D9-E5762B0C6FBC}"/>
+              </a:ext>
+            </a:extLst>
+          </p:cNvPr>
+          <p:cNvSpPr txBox="1"/>
+          <p:nvPr/>
+        </p:nvSpPr>
+        <p:spPr>
+          <a:xfrm>
+            <a:off x="2716696" y="3721763"/>
+            <a:ext cx="1219198" cy="369332"/>
+          </a:xfrm>
+          <a:prstGeom prst="rect">
+            <a:avLst/>
+          </a:prstGeom>
+          <a:noFill/>
+        </p:spPr>
+        <p:txBody>
+          <a:bodyPr wrap="square" rtlCol="0">
+            <a:spAutoFit/>
+          </a:bodyPr>
+          <a:lstStyle/>
+          <a:p>
+            <a:r>
+              <a:rPr lang="en-US" dirty="0"/>
+              <a:t>Maintains</a:t>
+            </a:r>
+          </a:p>
+        </p:txBody>
+      </p:sp>
+      <p:cxnSp>
+        <p:nvCxnSpPr>
+          <p:cNvPr id="129" name="Straight Connector 128">
+            <a:extLst>
+              <a:ext uri="{FF2B5EF4-FFF2-40B4-BE49-F238E27FC236}">
+                <a16:creationId xmlns:a16="http://schemas.microsoft.com/office/drawing/2014/main" id="{15E74F1D-FE1C-B905-C748-6EC251FE9401}"/>
+              </a:ext>
+            </a:extLst>
+          </p:cNvPr>
+          <p:cNvCxnSpPr>
+            <a:stCxn id="102" idx="2"/>
+            <a:endCxn id="106" idx="0"/>
+          </p:cNvCxnSpPr>
+          <p:nvPr/>
+        </p:nvCxnSpPr>
+        <p:spPr>
+          <a:xfrm>
+            <a:off x="5890592" y="2725578"/>
+            <a:ext cx="6624" cy="1000112"/>
+          </a:xfrm>
+          <a:prstGeom prst="line">
+            <a:avLst/>
+          </a:prstGeom>
+        </p:spPr>
+        <p:style>
+          <a:lnRef idx="1">
+            <a:schemeClr val="accent1"/>
+          </a:lnRef>
+          <a:fillRef idx="0">
+            <a:schemeClr val="accent1"/>
+          </a:fillRef>
+          <a:effectRef idx="0">
+            <a:schemeClr val="accent1"/>
+          </a:effectRef>
+          <a:fontRef idx="minor">
+            <a:schemeClr val="tx1"/>
+          </a:fontRef>
+        </p:style>
+      </p:cxnSp>
+      <p:cxnSp>
+        <p:nvCxnSpPr>
+          <p:cNvPr id="142" name="Straight Connector 141">
+            <a:extLst>
+              <a:ext uri="{FF2B5EF4-FFF2-40B4-BE49-F238E27FC236}">
+                <a16:creationId xmlns:a16="http://schemas.microsoft.com/office/drawing/2014/main" id="{64A885A5-7F08-DA07-8F66-9404E74D8FD9}"/>
+              </a:ext>
+            </a:extLst>
+          </p:cNvPr>
+          <p:cNvCxnSpPr>
+            <a:cxnSpLocks/>
+          </p:cNvCxnSpPr>
+          <p:nvPr/>
+        </p:nvCxnSpPr>
+        <p:spPr>
+          <a:xfrm>
+            <a:off x="5612292" y="2886089"/>
+            <a:ext cx="569844" cy="0"/>
+          </a:xfrm>
+          <a:prstGeom prst="line">
+            <a:avLst/>
+          </a:prstGeom>
+        </p:spPr>
+        <p:style>
+          <a:lnRef idx="1">
+            <a:schemeClr val="accent1"/>
+          </a:lnRef>
+          <a:fillRef idx="0">
+            <a:schemeClr val="accent1"/>
+          </a:fillRef>
+          <a:effectRef idx="0">
+            <a:schemeClr val="accent1"/>
+          </a:effectRef>
+          <a:fontRef idx="minor">
+            <a:schemeClr val="tx1"/>
+          </a:fontRef>
+        </p:style>
+      </p:cxnSp>
+      <p:cxnSp>
+        <p:nvCxnSpPr>
+          <p:cNvPr id="144" name="Straight Connector 143">
+            <a:extLst>
+              <a:ext uri="{FF2B5EF4-FFF2-40B4-BE49-F238E27FC236}">
+                <a16:creationId xmlns:a16="http://schemas.microsoft.com/office/drawing/2014/main" id="{00115CE9-BD67-E0BB-29C3-E13994E09865}"/>
+              </a:ext>
+            </a:extLst>
+          </p:cNvPr>
+          <p:cNvCxnSpPr>
+            <a:cxnSpLocks/>
+          </p:cNvCxnSpPr>
+          <p:nvPr/>
+        </p:nvCxnSpPr>
+        <p:spPr>
+          <a:xfrm>
+            <a:off x="5612292" y="3568576"/>
+            <a:ext cx="569844" cy="0"/>
+          </a:xfrm>
+          <a:prstGeom prst="line">
+            <a:avLst/>
+          </a:prstGeom>
+        </p:spPr>
+        <p:style>
+          <a:lnRef idx="1">
+            <a:schemeClr val="accent1"/>
+          </a:lnRef>
+          <a:fillRef idx="0">
+            <a:schemeClr val="accent1"/>
+          </a:fillRef>
+          <a:effectRef idx="0">
+            <a:schemeClr val="accent1"/>
+          </a:effectRef>
+          <a:fontRef idx="minor">
+            <a:schemeClr val="tx1"/>
+          </a:fontRef>
+        </p:style>
+      </p:cxnSp>
+      <p:sp>
+        <p:nvSpPr>
+          <p:cNvPr id="145" name="TextBox 144">
+            <a:extLst>
+              <a:ext uri="{FF2B5EF4-FFF2-40B4-BE49-F238E27FC236}">
+                <a16:creationId xmlns:a16="http://schemas.microsoft.com/office/drawing/2014/main" id="{39DD0420-563E-10F0-0751-E04CE20A50D3}"/>
+              </a:ext>
+            </a:extLst>
+          </p:cNvPr>
+          <p:cNvSpPr txBox="1"/>
+          <p:nvPr/>
+        </p:nvSpPr>
+        <p:spPr>
+          <a:xfrm>
+            <a:off x="6566456" y="2936558"/>
+            <a:ext cx="1219198" cy="369332"/>
+          </a:xfrm>
+          <a:prstGeom prst="rect">
+            <a:avLst/>
+          </a:prstGeom>
+          <a:noFill/>
+        </p:spPr>
+        <p:txBody>
+          <a:bodyPr wrap="square" rtlCol="0">
+            <a:spAutoFit/>
+          </a:bodyPr>
+          <a:lstStyle/>
+          <a:p>
+            <a:r>
+              <a:rPr lang="en-US" dirty="0"/>
+              <a:t>Assigned</a:t>
+            </a:r>
+          </a:p>
+        </p:txBody>
+      </p:sp>
+      <p:cxnSp>
+        <p:nvCxnSpPr>
+          <p:cNvPr id="131" name="Elbow Connector 130">
+            <a:extLst>
+              <a:ext uri="{FF2B5EF4-FFF2-40B4-BE49-F238E27FC236}">
+                <a16:creationId xmlns:a16="http://schemas.microsoft.com/office/drawing/2014/main" id="{B4C31527-06D7-3DE9-1E3F-7482452EE4BE}"/>
+              </a:ext>
+            </a:extLst>
+          </p:cNvPr>
+          <p:cNvCxnSpPr>
+            <a:stCxn id="104" idx="2"/>
+            <a:endCxn id="106" idx="3"/>
+          </p:cNvCxnSpPr>
+          <p:nvPr/>
+        </p:nvCxnSpPr>
+        <p:spPr>
+          <a:xfrm rot="5400000">
+            <a:off x="6752098" y="2377925"/>
+            <a:ext cx="1424376" cy="1517377"/>
+          </a:xfrm>
+          <a:prstGeom prst="bentConnector2">
+            <a:avLst/>
+          </a:prstGeom>
+        </p:spPr>
+        <p:style>
+          <a:lnRef idx="1">
+            <a:schemeClr val="accent1"/>
+          </a:lnRef>
+          <a:fillRef idx="0">
+            <a:schemeClr val="accent1"/>
+          </a:fillRef>
+          <a:effectRef idx="0">
+            <a:schemeClr val="accent1"/>
+          </a:effectRef>
+          <a:fontRef idx="minor">
+            <a:schemeClr val="tx1"/>
+          </a:fontRef>
+        </p:style>
+      </p:cxnSp>
+      <p:cxnSp>
+        <p:nvCxnSpPr>
+          <p:cNvPr id="147" name="Straight Connector 146">
+            <a:extLst>
+              <a:ext uri="{FF2B5EF4-FFF2-40B4-BE49-F238E27FC236}">
+                <a16:creationId xmlns:a16="http://schemas.microsoft.com/office/drawing/2014/main" id="{E294EE08-137D-4B52-C1E8-AA67EC26A50A}"/>
+              </a:ext>
+            </a:extLst>
+          </p:cNvPr>
+          <p:cNvCxnSpPr>
+            <a:cxnSpLocks/>
+          </p:cNvCxnSpPr>
+          <p:nvPr/>
+        </p:nvCxnSpPr>
+        <p:spPr>
+          <a:xfrm>
+            <a:off x="7938051" y="2716067"/>
+            <a:ext cx="569844" cy="0"/>
+          </a:xfrm>
+          <a:prstGeom prst="line">
+            <a:avLst/>
+          </a:prstGeom>
+        </p:spPr>
+        <p:style>
+          <a:lnRef idx="1">
+            <a:schemeClr val="accent1"/>
+          </a:lnRef>
+          <a:fillRef idx="0">
+            <a:schemeClr val="accent1"/>
+          </a:fillRef>
+          <a:effectRef idx="0">
+            <a:schemeClr val="accent1"/>
+          </a:effectRef>
+          <a:fontRef idx="minor">
+            <a:schemeClr val="tx1"/>
+          </a:fontRef>
+        </p:style>
+      </p:cxnSp>
+      <p:cxnSp>
+        <p:nvCxnSpPr>
+          <p:cNvPr id="134" name="Straight Connector 133">
+            <a:extLst>
+              <a:ext uri="{FF2B5EF4-FFF2-40B4-BE49-F238E27FC236}">
+                <a16:creationId xmlns:a16="http://schemas.microsoft.com/office/drawing/2014/main" id="{5E336E73-C133-78DC-868E-36477B51F41E}"/>
+              </a:ext>
+            </a:extLst>
+          </p:cNvPr>
+          <p:cNvCxnSpPr/>
+          <p:nvPr/>
+        </p:nvCxnSpPr>
+        <p:spPr>
+          <a:xfrm>
+            <a:off x="7076661" y="3602581"/>
+            <a:ext cx="0" cy="403334"/>
+          </a:xfrm>
+          <a:prstGeom prst="line">
+            <a:avLst/>
+          </a:prstGeom>
+        </p:spPr>
+        <p:style>
+          <a:lnRef idx="1">
+            <a:schemeClr val="accent1"/>
+          </a:lnRef>
+          <a:fillRef idx="0">
+            <a:schemeClr val="accent1"/>
+          </a:fillRef>
+          <a:effectRef idx="0">
+            <a:schemeClr val="accent1"/>
+          </a:effectRef>
+          <a:fontRef idx="minor">
+            <a:schemeClr val="tx1"/>
+          </a:fontRef>
+        </p:style>
+      </p:cxnSp>
+      <p:cxnSp>
+        <p:nvCxnSpPr>
+          <p:cNvPr id="150" name="Straight Connector 149">
+            <a:extLst>
+              <a:ext uri="{FF2B5EF4-FFF2-40B4-BE49-F238E27FC236}">
+                <a16:creationId xmlns:a16="http://schemas.microsoft.com/office/drawing/2014/main" id="{65D55160-2011-08EC-FE0E-36517297B475}"/>
+              </a:ext>
+            </a:extLst>
+          </p:cNvPr>
+          <p:cNvCxnSpPr>
+            <a:cxnSpLocks/>
+          </p:cNvCxnSpPr>
+          <p:nvPr/>
+        </p:nvCxnSpPr>
+        <p:spPr>
+          <a:xfrm>
+            <a:off x="6705596" y="4349766"/>
+            <a:ext cx="1861931" cy="9627"/>
+          </a:xfrm>
+          <a:prstGeom prst="line">
+            <a:avLst/>
+          </a:prstGeom>
+        </p:spPr>
+        <p:style>
+          <a:lnRef idx="1">
+            <a:schemeClr val="accent1"/>
+          </a:lnRef>
+          <a:fillRef idx="0">
+            <a:schemeClr val="accent1"/>
+          </a:fillRef>
+          <a:effectRef idx="0">
+            <a:schemeClr val="accent1"/>
+          </a:effectRef>
+          <a:fontRef idx="minor">
+            <a:schemeClr val="tx1"/>
+          </a:fontRef>
+        </p:style>
+      </p:cxnSp>
+      <p:cxnSp>
+        <p:nvCxnSpPr>
+          <p:cNvPr id="156" name="Straight Connector 155">
+            <a:extLst>
+              <a:ext uri="{FF2B5EF4-FFF2-40B4-BE49-F238E27FC236}">
+                <a16:creationId xmlns:a16="http://schemas.microsoft.com/office/drawing/2014/main" id="{BA39CF14-703F-3EF7-61D0-7A903A3EB7CF}"/>
+              </a:ext>
+            </a:extLst>
+          </p:cNvPr>
+          <p:cNvCxnSpPr>
+            <a:cxnSpLocks/>
+          </p:cNvCxnSpPr>
+          <p:nvPr/>
+        </p:nvCxnSpPr>
+        <p:spPr>
+          <a:xfrm flipV="1">
+            <a:off x="8322358" y="4234954"/>
+            <a:ext cx="245169" cy="114812"/>
+          </a:xfrm>
+          <a:prstGeom prst="line">
+            <a:avLst/>
+          </a:prstGeom>
+        </p:spPr>
+        <p:style>
+          <a:lnRef idx="1">
+            <a:schemeClr val="accent1"/>
+          </a:lnRef>
+          <a:fillRef idx="0">
+            <a:schemeClr val="accent1"/>
+          </a:fillRef>
+          <a:effectRef idx="0">
+            <a:schemeClr val="accent1"/>
+          </a:effectRef>
+          <a:fontRef idx="minor">
+            <a:schemeClr val="tx1"/>
+          </a:fontRef>
+        </p:style>
+      </p:cxnSp>
+      <p:cxnSp>
+        <p:nvCxnSpPr>
+          <p:cNvPr id="160" name="Straight Connector 159">
+            <a:extLst>
+              <a:ext uri="{FF2B5EF4-FFF2-40B4-BE49-F238E27FC236}">
+                <a16:creationId xmlns:a16="http://schemas.microsoft.com/office/drawing/2014/main" id="{EB5A014D-C09E-FA13-7749-3728472F3634}"/>
+              </a:ext>
+            </a:extLst>
+          </p:cNvPr>
+          <p:cNvCxnSpPr>
+            <a:cxnSpLocks/>
+            <a:endCxn id="109" idx="1"/>
+          </p:cNvCxnSpPr>
+          <p:nvPr/>
+        </p:nvCxnSpPr>
+        <p:spPr>
+          <a:xfrm>
+            <a:off x="8315731" y="4386445"/>
+            <a:ext cx="251798" cy="93298"/>
+          </a:xfrm>
+          <a:prstGeom prst="line">
+            <a:avLst/>
+          </a:prstGeom>
+        </p:spPr>
+        <p:style>
+          <a:lnRef idx="1">
+            <a:schemeClr val="accent1"/>
+          </a:lnRef>
+          <a:fillRef idx="0">
+            <a:schemeClr val="accent1"/>
+          </a:fillRef>
+          <a:effectRef idx="0">
+            <a:schemeClr val="accent1"/>
+          </a:effectRef>
+          <a:fontRef idx="minor">
+            <a:schemeClr val="tx1"/>
+          </a:fontRef>
+        </p:style>
+      </p:cxnSp>
+      <p:cxnSp>
+        <p:nvCxnSpPr>
+          <p:cNvPr id="161" name="Straight Connector 160">
+            <a:extLst>
+              <a:ext uri="{FF2B5EF4-FFF2-40B4-BE49-F238E27FC236}">
+                <a16:creationId xmlns:a16="http://schemas.microsoft.com/office/drawing/2014/main" id="{9AB55486-8675-BF43-D8F3-70B12751DC53}"/>
+              </a:ext>
+            </a:extLst>
+          </p:cNvPr>
+          <p:cNvCxnSpPr>
+            <a:cxnSpLocks/>
+          </p:cNvCxnSpPr>
+          <p:nvPr/>
+        </p:nvCxnSpPr>
+        <p:spPr>
+          <a:xfrm>
+            <a:off x="6950759" y="4132689"/>
+            <a:ext cx="0" cy="434154"/>
+          </a:xfrm>
+          <a:prstGeom prst="line">
+            <a:avLst/>
+          </a:prstGeom>
+        </p:spPr>
+        <p:style>
+          <a:lnRef idx="1">
+            <a:schemeClr val="accent1"/>
+          </a:lnRef>
+          <a:fillRef idx="0">
+            <a:schemeClr val="accent1"/>
+          </a:fillRef>
+          <a:effectRef idx="0">
+            <a:schemeClr val="accent1"/>
+          </a:effectRef>
+          <a:fontRef idx="minor">
+            <a:schemeClr val="tx1"/>
+          </a:fontRef>
+        </p:style>
+      </p:cxnSp>
+      <p:sp>
+        <p:nvSpPr>
+          <p:cNvPr id="162" name="TextBox 161">
+            <a:extLst>
+              <a:ext uri="{FF2B5EF4-FFF2-40B4-BE49-F238E27FC236}">
+                <a16:creationId xmlns:a16="http://schemas.microsoft.com/office/drawing/2014/main" id="{6C7BE54C-1512-08BE-DAD6-1CC763D23338}"/>
+              </a:ext>
+            </a:extLst>
+          </p:cNvPr>
+          <p:cNvSpPr txBox="1"/>
+          <p:nvPr/>
+        </p:nvSpPr>
+        <p:spPr>
+          <a:xfrm>
+            <a:off x="7348323" y="4488792"/>
+            <a:ext cx="967407" cy="369332"/>
+          </a:xfrm>
+          <a:prstGeom prst="rect">
+            <a:avLst/>
+          </a:prstGeom>
+          <a:noFill/>
+        </p:spPr>
+        <p:txBody>
+          <a:bodyPr wrap="square" rtlCol="0">
+            <a:spAutoFit/>
+          </a:bodyPr>
+          <a:lstStyle/>
+          <a:p>
+            <a:r>
+              <a:rPr lang="en-US" dirty="0"/>
+              <a:t>consists</a:t>
+            </a:r>
+          </a:p>
+        </p:txBody>
+      </p:sp>
     </p:spTree>
     <p:extLst>
       <p:ext uri="{BB962C8B-B14F-4D97-AF65-F5344CB8AC3E}">
         <p14:creationId xmlns:p14="http://schemas.microsoft.com/office/powerpoint/2010/main" val="1323120172"/>
+      </p:ext>
+    </p:extLst>
+  </p:cSld>
+  <p:clrMapOvr>
+    <a:masterClrMapping/>
+  </p:clrMapOvr>
+</p:sld>
+</file>
+
+<file path=ppt/slides/slide2.xml><?xml version="1.0" encoding="utf-8"?>
+<p:sld xmlns:a="http://schemas.openxmlformats.org/drawingml/2006/main" xmlns:r="http://schemas.openxmlformats.org/officeDocument/2006/relationships" xmlns:p="http://schemas.openxmlformats.org/presentationml/2006/main">
+  <p:cSld>
+    <p:spTree>
+      <p:nvGrpSpPr>
+        <p:cNvPr id="1" name=""/>
+        <p:cNvGrpSpPr/>
+        <p:nvPr/>
+      </p:nvGrpSpPr>
+      <p:grpSpPr>
+        <a:xfrm>
+          <a:off x="0" y="0"/>
+          <a:ext cx="0" cy="0"/>
+          <a:chOff x="0" y="0"/>
+          <a:chExt cx="0" cy="0"/>
+        </a:xfrm>
+      </p:grpSpPr>
+      <p:sp>
+        <p:nvSpPr>
+          <p:cNvPr id="2" name="TextBox 1">
+            <a:extLst>
+              <a:ext uri="{FF2B5EF4-FFF2-40B4-BE49-F238E27FC236}">
+                <a16:creationId xmlns:a16="http://schemas.microsoft.com/office/drawing/2014/main" id="{D21093E2-6818-C250-B87E-F171F461126C}"/>
+              </a:ext>
+            </a:extLst>
+          </p:cNvPr>
+          <p:cNvSpPr txBox="1"/>
+          <p:nvPr/>
+        </p:nvSpPr>
+        <p:spPr>
+          <a:xfrm>
+            <a:off x="0" y="-53177"/>
+            <a:ext cx="9571382" cy="369332"/>
+          </a:xfrm>
+          <a:prstGeom prst="rect">
+            <a:avLst/>
+          </a:prstGeom>
+          <a:noFill/>
+        </p:spPr>
+        <p:txBody>
+          <a:bodyPr wrap="square" rtlCol="0">
+            <a:spAutoFit/>
+          </a:bodyPr>
+          <a:lstStyle/>
+          <a:p>
+            <a:r>
+              <a:rPr lang="en-US" dirty="0"/>
+              <a:t>Class UML</a:t>
+            </a:r>
+          </a:p>
+        </p:txBody>
+      </p:sp>
+      <p:sp>
+        <p:nvSpPr>
+          <p:cNvPr id="3" name="TextBox 2">
+            <a:extLst>
+              <a:ext uri="{FF2B5EF4-FFF2-40B4-BE49-F238E27FC236}">
+                <a16:creationId xmlns:a16="http://schemas.microsoft.com/office/drawing/2014/main" id="{5B8F99E6-099D-95EC-1CDC-78F68CFF2B30}"/>
+              </a:ext>
+            </a:extLst>
+          </p:cNvPr>
+          <p:cNvSpPr txBox="1"/>
+          <p:nvPr/>
+        </p:nvSpPr>
+        <p:spPr>
+          <a:xfrm>
+            <a:off x="1318581" y="-6627"/>
+            <a:ext cx="1484248" cy="246221"/>
+          </a:xfrm>
+          <a:prstGeom prst="rect">
+            <a:avLst/>
+          </a:prstGeom>
+          <a:noFill/>
+          <a:ln>
+            <a:solidFill>
+              <a:schemeClr val="accent1"/>
+            </a:solidFill>
+          </a:ln>
+        </p:spPr>
+        <p:txBody>
+          <a:bodyPr wrap="square" rtlCol="0">
+            <a:spAutoFit/>
+          </a:bodyPr>
+          <a:lstStyle/>
+          <a:p>
+            <a:r>
+              <a:rPr lang="en-US" sz="1000" dirty="0" err="1"/>
+              <a:t>BankSetup</a:t>
+            </a:r>
+            <a:endParaRPr lang="en-US" sz="1000" dirty="0"/>
+          </a:p>
+        </p:txBody>
+      </p:sp>
+      <p:sp>
+        <p:nvSpPr>
+          <p:cNvPr id="4" name="TextBox 3">
+            <a:extLst>
+              <a:ext uri="{FF2B5EF4-FFF2-40B4-BE49-F238E27FC236}">
+                <a16:creationId xmlns:a16="http://schemas.microsoft.com/office/drawing/2014/main" id="{C28522D0-C26D-28FC-6F32-315553D521FA}"/>
+              </a:ext>
+            </a:extLst>
+          </p:cNvPr>
+          <p:cNvSpPr txBox="1"/>
+          <p:nvPr/>
+        </p:nvSpPr>
+        <p:spPr>
+          <a:xfrm>
+            <a:off x="1305338" y="239595"/>
+            <a:ext cx="1497491" cy="707886"/>
+          </a:xfrm>
+          <a:prstGeom prst="rect">
+            <a:avLst/>
+          </a:prstGeom>
+          <a:noFill/>
+          <a:ln>
+            <a:solidFill>
+              <a:schemeClr val="accent1"/>
+            </a:solidFill>
+          </a:ln>
+        </p:spPr>
+        <p:txBody>
+          <a:bodyPr wrap="square" rtlCol="0">
+            <a:spAutoFit/>
+          </a:bodyPr>
+          <a:lstStyle/>
+          <a:p>
+            <a:r>
+              <a:rPr lang="en-US" sz="1000" dirty="0"/>
+              <a:t>+</a:t>
+            </a:r>
+            <a:r>
+              <a:rPr lang="en-US" sz="1000" dirty="0" err="1"/>
+              <a:t>file_name</a:t>
+            </a:r>
+            <a:r>
+              <a:rPr lang="en-US" sz="1000" dirty="0"/>
+              <a:t>: String</a:t>
+            </a:r>
+          </a:p>
+          <a:p>
+            <a:r>
+              <a:rPr lang="en-US" sz="1000" dirty="0"/>
+              <a:t>+</a:t>
+            </a:r>
+            <a:r>
+              <a:rPr lang="en-US" sz="1000" dirty="0" err="1"/>
+              <a:t>connect_string</a:t>
+            </a:r>
+            <a:r>
+              <a:rPr lang="en-US" sz="1000" dirty="0"/>
+              <a:t>: String</a:t>
+            </a:r>
+          </a:p>
+          <a:p>
+            <a:r>
+              <a:rPr lang="en-US" sz="1000" dirty="0"/>
+              <a:t>+</a:t>
+            </a:r>
+            <a:r>
+              <a:rPr lang="en-US" sz="1000" dirty="0" err="1"/>
+              <a:t>File_format</a:t>
+            </a:r>
+            <a:r>
+              <a:rPr lang="en-US" sz="1000" dirty="0"/>
+              <a:t>: String</a:t>
+            </a:r>
+          </a:p>
+          <a:p>
+            <a:r>
+              <a:rPr lang="en-US" sz="1000" dirty="0"/>
+              <a:t>+</a:t>
+            </a:r>
+            <a:r>
+              <a:rPr lang="en-US" sz="1000" dirty="0" err="1"/>
+              <a:t>db_engine</a:t>
+            </a:r>
+            <a:r>
+              <a:rPr lang="en-US" sz="1000" dirty="0"/>
+              <a:t>: String</a:t>
+            </a:r>
+          </a:p>
+        </p:txBody>
+      </p:sp>
+      <p:sp>
+        <p:nvSpPr>
+          <p:cNvPr id="5" name="TextBox 4">
+            <a:extLst>
+              <a:ext uri="{FF2B5EF4-FFF2-40B4-BE49-F238E27FC236}">
+                <a16:creationId xmlns:a16="http://schemas.microsoft.com/office/drawing/2014/main" id="{AB27468A-B2E8-4CB2-FA6E-22FA426EEB1D}"/>
+              </a:ext>
+            </a:extLst>
+          </p:cNvPr>
+          <p:cNvSpPr txBox="1"/>
+          <p:nvPr/>
+        </p:nvSpPr>
+        <p:spPr>
+          <a:xfrm>
+            <a:off x="1292088" y="940805"/>
+            <a:ext cx="1510741" cy="707886"/>
+          </a:xfrm>
+          <a:prstGeom prst="rect">
+            <a:avLst/>
+          </a:prstGeom>
+          <a:noFill/>
+          <a:ln>
+            <a:solidFill>
+              <a:schemeClr val="accent1"/>
+            </a:solidFill>
+          </a:ln>
+        </p:spPr>
+        <p:txBody>
+          <a:bodyPr wrap="square" rtlCol="0">
+            <a:spAutoFit/>
+          </a:bodyPr>
+          <a:lstStyle/>
+          <a:p>
+            <a:r>
+              <a:rPr lang="en-US" sz="1000" dirty="0"/>
+              <a:t>+</a:t>
+            </a:r>
+            <a:r>
+              <a:rPr lang="en-US" sz="1000" dirty="0" err="1"/>
+              <a:t>get_connection</a:t>
+            </a:r>
+            <a:r>
+              <a:rPr lang="en-US" sz="1000" dirty="0"/>
+              <a:t>()</a:t>
+            </a:r>
+          </a:p>
+          <a:p>
+            <a:r>
+              <a:rPr lang="en-US" sz="1000" dirty="0"/>
+              <a:t>+</a:t>
+            </a:r>
+            <a:r>
+              <a:rPr lang="en-US" sz="1000" dirty="0" err="1"/>
+              <a:t>database_setup</a:t>
+            </a:r>
+            <a:r>
+              <a:rPr lang="en-US" sz="1000" dirty="0"/>
+              <a:t>()</a:t>
+            </a:r>
+          </a:p>
+          <a:p>
+            <a:r>
+              <a:rPr lang="en-US" sz="1000" dirty="0"/>
+              <a:t>+</a:t>
+            </a:r>
+            <a:r>
+              <a:rPr lang="en-US" sz="1000" dirty="0" err="1"/>
+              <a:t>mass_insert</a:t>
+            </a:r>
+            <a:r>
+              <a:rPr lang="en-US" sz="1000" dirty="0"/>
+              <a:t>()</a:t>
+            </a:r>
+          </a:p>
+          <a:p>
+            <a:r>
+              <a:rPr lang="en-US" sz="1000" dirty="0"/>
+              <a:t>+</a:t>
+            </a:r>
+            <a:r>
+              <a:rPr lang="en-US" sz="1000" dirty="0" err="1"/>
+              <a:t>verify_database_setup</a:t>
+            </a:r>
+            <a:r>
+              <a:rPr lang="en-US" sz="1000" dirty="0"/>
+              <a:t>()</a:t>
+            </a:r>
+          </a:p>
+        </p:txBody>
+      </p:sp>
+      <p:sp>
+        <p:nvSpPr>
+          <p:cNvPr id="6" name="TextBox 5">
+            <a:extLst>
+              <a:ext uri="{FF2B5EF4-FFF2-40B4-BE49-F238E27FC236}">
+                <a16:creationId xmlns:a16="http://schemas.microsoft.com/office/drawing/2014/main" id="{50616B36-BDB0-FA85-DA1A-581B20105F00}"/>
+              </a:ext>
+            </a:extLst>
+          </p:cNvPr>
+          <p:cNvSpPr txBox="1"/>
+          <p:nvPr/>
+        </p:nvSpPr>
+        <p:spPr>
+          <a:xfrm>
+            <a:off x="4810537" y="-6626"/>
+            <a:ext cx="1560430" cy="246221"/>
+          </a:xfrm>
+          <a:prstGeom prst="rect">
+            <a:avLst/>
+          </a:prstGeom>
+          <a:noFill/>
+          <a:ln>
+            <a:solidFill>
+              <a:schemeClr val="accent1"/>
+            </a:solidFill>
+          </a:ln>
+        </p:spPr>
+        <p:txBody>
+          <a:bodyPr wrap="square" rtlCol="0">
+            <a:spAutoFit/>
+          </a:bodyPr>
+          <a:lstStyle/>
+          <a:p>
+            <a:r>
+              <a:rPr lang="en-US" sz="1000" dirty="0" err="1"/>
+              <a:t>BankTransactionStore</a:t>
+            </a:r>
+            <a:endParaRPr lang="en-US" sz="1000" dirty="0"/>
+          </a:p>
+        </p:txBody>
+      </p:sp>
+      <p:sp>
+        <p:nvSpPr>
+          <p:cNvPr id="7" name="TextBox 6">
+            <a:extLst>
+              <a:ext uri="{FF2B5EF4-FFF2-40B4-BE49-F238E27FC236}">
+                <a16:creationId xmlns:a16="http://schemas.microsoft.com/office/drawing/2014/main" id="{D598FBE7-FCCA-FBFF-B8AD-99BF01F3A9BF}"/>
+              </a:ext>
+            </a:extLst>
+          </p:cNvPr>
+          <p:cNvSpPr txBox="1"/>
+          <p:nvPr/>
+        </p:nvSpPr>
+        <p:spPr>
+          <a:xfrm>
+            <a:off x="4810537" y="239596"/>
+            <a:ext cx="1560430" cy="246221"/>
+          </a:xfrm>
+          <a:prstGeom prst="rect">
+            <a:avLst/>
+          </a:prstGeom>
+          <a:noFill/>
+          <a:ln>
+            <a:solidFill>
+              <a:schemeClr val="accent1"/>
+            </a:solidFill>
+          </a:ln>
+        </p:spPr>
+        <p:txBody>
+          <a:bodyPr wrap="square" rtlCol="0">
+            <a:spAutoFit/>
+          </a:bodyPr>
+          <a:lstStyle/>
+          <a:p>
+            <a:r>
+              <a:rPr lang="en-US" sz="1000" dirty="0"/>
+              <a:t>+</a:t>
+            </a:r>
+            <a:r>
+              <a:rPr lang="en-US" sz="1000" dirty="0" err="1"/>
+              <a:t>db_engine</a:t>
+            </a:r>
+            <a:endParaRPr lang="en-US" sz="1000" dirty="0"/>
+          </a:p>
+        </p:txBody>
+      </p:sp>
+      <p:sp>
+        <p:nvSpPr>
+          <p:cNvPr id="8" name="TextBox 7">
+            <a:extLst>
+              <a:ext uri="{FF2B5EF4-FFF2-40B4-BE49-F238E27FC236}">
+                <a16:creationId xmlns:a16="http://schemas.microsoft.com/office/drawing/2014/main" id="{4A7D52F7-A1F4-ABD0-6B04-27A2CCD726BE}"/>
+              </a:ext>
+            </a:extLst>
+          </p:cNvPr>
+          <p:cNvSpPr txBox="1"/>
+          <p:nvPr/>
+        </p:nvSpPr>
+        <p:spPr>
+          <a:xfrm>
+            <a:off x="4810537" y="482955"/>
+            <a:ext cx="1560430" cy="1169551"/>
+          </a:xfrm>
+          <a:prstGeom prst="rect">
+            <a:avLst/>
+          </a:prstGeom>
+          <a:noFill/>
+          <a:ln>
+            <a:solidFill>
+              <a:schemeClr val="accent1"/>
+            </a:solidFill>
+          </a:ln>
+        </p:spPr>
+        <p:txBody>
+          <a:bodyPr wrap="square" rtlCol="0">
+            <a:spAutoFit/>
+          </a:bodyPr>
+          <a:lstStyle/>
+          <a:p>
+            <a:r>
+              <a:rPr lang="en-US" sz="1000" dirty="0"/>
+              <a:t>+</a:t>
+            </a:r>
+            <a:r>
+              <a:rPr lang="en-US" sz="1000" dirty="0" err="1"/>
+              <a:t>check_if_account_exists</a:t>
+            </a:r>
+            <a:endParaRPr lang="en-US" sz="1000" dirty="0"/>
+          </a:p>
+          <a:p>
+            <a:r>
+              <a:rPr lang="en-US" sz="1000" dirty="0"/>
+              <a:t>+</a:t>
+            </a:r>
+            <a:r>
+              <a:rPr lang="en-US" sz="1000" dirty="0" err="1"/>
+              <a:t>save_transaction</a:t>
+            </a:r>
+            <a:endParaRPr lang="en-US" sz="1000" dirty="0"/>
+          </a:p>
+          <a:p>
+            <a:r>
+              <a:rPr lang="en-US" sz="1000" dirty="0"/>
+              <a:t>+</a:t>
+            </a:r>
+            <a:r>
+              <a:rPr lang="en-US" sz="1000" dirty="0" err="1"/>
+              <a:t>get_account_summary</a:t>
+            </a:r>
+            <a:endParaRPr lang="en-US" sz="1000" dirty="0"/>
+          </a:p>
+          <a:p>
+            <a:r>
+              <a:rPr lang="en-US" sz="1000" dirty="0"/>
+              <a:t>+</a:t>
+            </a:r>
+            <a:r>
+              <a:rPr lang="en-US" sz="1000" dirty="0" err="1"/>
+              <a:t>get_transaction_detail</a:t>
+            </a:r>
+            <a:endParaRPr lang="en-US" sz="1000" dirty="0"/>
+          </a:p>
+          <a:p>
+            <a:r>
+              <a:rPr lang="en-US" sz="1000" dirty="0"/>
+              <a:t>+</a:t>
+            </a:r>
+            <a:r>
+              <a:rPr lang="en-US" sz="1000" dirty="0" err="1"/>
+              <a:t>get_service_terms</a:t>
+            </a:r>
+            <a:endParaRPr lang="en-US" sz="1000" dirty="0"/>
+          </a:p>
+          <a:p>
+            <a:r>
+              <a:rPr lang="en-US" sz="1000" dirty="0"/>
+              <a:t>+</a:t>
+            </a:r>
+            <a:r>
+              <a:rPr lang="en-US" sz="1000" dirty="0" err="1"/>
+              <a:t>get_account_detail</a:t>
+            </a:r>
+            <a:endParaRPr lang="en-US" sz="1000" dirty="0"/>
+          </a:p>
+          <a:p>
+            <a:endParaRPr lang="en-US" sz="1000" dirty="0"/>
+          </a:p>
+        </p:txBody>
+      </p:sp>
+      <p:sp>
+        <p:nvSpPr>
+          <p:cNvPr id="18" name="TextBox 17">
+            <a:extLst>
+              <a:ext uri="{FF2B5EF4-FFF2-40B4-BE49-F238E27FC236}">
+                <a16:creationId xmlns:a16="http://schemas.microsoft.com/office/drawing/2014/main" id="{EA3D6EE7-53E4-4E60-32E9-8F6A1C7DF017}"/>
+              </a:ext>
+            </a:extLst>
+          </p:cNvPr>
+          <p:cNvSpPr txBox="1"/>
+          <p:nvPr/>
+        </p:nvSpPr>
+        <p:spPr>
+          <a:xfrm>
+            <a:off x="5102075" y="2382543"/>
+            <a:ext cx="3790133" cy="250093"/>
+          </a:xfrm>
+          <a:prstGeom prst="rect">
+            <a:avLst/>
+          </a:prstGeom>
+          <a:noFill/>
+          <a:ln>
+            <a:solidFill>
+              <a:schemeClr val="accent1"/>
+            </a:solidFill>
+          </a:ln>
+        </p:spPr>
+        <p:txBody>
+          <a:bodyPr wrap="square" rtlCol="0">
+            <a:spAutoFit/>
+          </a:bodyPr>
+          <a:lstStyle/>
+          <a:p>
+            <a:r>
+              <a:rPr lang="en-US" sz="1000" dirty="0" err="1"/>
+              <a:t>AccountTransaction</a:t>
+            </a:r>
+            <a:endParaRPr lang="en-US" sz="1000" dirty="0"/>
+          </a:p>
+        </p:txBody>
+      </p:sp>
+      <p:sp>
+        <p:nvSpPr>
+          <p:cNvPr id="19" name="TextBox 18">
+            <a:extLst>
+              <a:ext uri="{FF2B5EF4-FFF2-40B4-BE49-F238E27FC236}">
+                <a16:creationId xmlns:a16="http://schemas.microsoft.com/office/drawing/2014/main" id="{00D4BC22-6BAD-B0FF-68F4-87B52004CEF9}"/>
+              </a:ext>
+            </a:extLst>
+          </p:cNvPr>
+          <p:cNvSpPr txBox="1"/>
+          <p:nvPr/>
+        </p:nvSpPr>
+        <p:spPr>
+          <a:xfrm>
+            <a:off x="5102074" y="2636508"/>
+            <a:ext cx="3790135" cy="707886"/>
+          </a:xfrm>
+          <a:prstGeom prst="rect">
+            <a:avLst/>
+          </a:prstGeom>
+          <a:noFill/>
+          <a:ln>
+            <a:solidFill>
+              <a:schemeClr val="accent1"/>
+            </a:solidFill>
+          </a:ln>
+        </p:spPr>
+        <p:txBody>
+          <a:bodyPr wrap="square" rtlCol="0">
+            <a:spAutoFit/>
+          </a:bodyPr>
+          <a:lstStyle/>
+          <a:p>
+            <a:r>
+              <a:rPr lang="en-US" sz="1000" dirty="0"/>
+              <a:t>+</a:t>
+            </a:r>
+            <a:r>
+              <a:rPr lang="en-US" sz="1000" dirty="0" err="1"/>
+              <a:t>service_id:String</a:t>
+            </a:r>
+            <a:endParaRPr lang="en-US" sz="1000" dirty="0"/>
+          </a:p>
+          <a:p>
+            <a:r>
+              <a:rPr lang="en-US" sz="1000" dirty="0"/>
+              <a:t>+</a:t>
+            </a:r>
+            <a:r>
+              <a:rPr lang="en-US" sz="1000" dirty="0" err="1"/>
+              <a:t>service_terms:List</a:t>
+            </a:r>
+            <a:r>
+              <a:rPr lang="en-US" sz="1000" dirty="0"/>
+              <a:t> of Tuples</a:t>
+            </a:r>
+          </a:p>
+          <a:p>
+            <a:r>
+              <a:rPr lang="en-US" sz="1000" dirty="0"/>
+              <a:t>+</a:t>
+            </a:r>
+            <a:r>
+              <a:rPr lang="en-US" sz="1000" dirty="0" err="1"/>
+              <a:t>fee_dict:Dictionary</a:t>
+            </a:r>
+            <a:endParaRPr lang="en-US" sz="1000" dirty="0"/>
+          </a:p>
+          <a:p>
+            <a:r>
+              <a:rPr lang="en-US" sz="1000" dirty="0"/>
+              <a:t>+</a:t>
+            </a:r>
+            <a:r>
+              <a:rPr lang="en-US" sz="1000" dirty="0" err="1"/>
+              <a:t>interest:Float</a:t>
+            </a:r>
+            <a:endParaRPr lang="en-US" sz="1000" dirty="0"/>
+          </a:p>
+        </p:txBody>
+      </p:sp>
+      <p:sp>
+        <p:nvSpPr>
+          <p:cNvPr id="20" name="TextBox 19">
+            <a:extLst>
+              <a:ext uri="{FF2B5EF4-FFF2-40B4-BE49-F238E27FC236}">
+                <a16:creationId xmlns:a16="http://schemas.microsoft.com/office/drawing/2014/main" id="{523F02C9-CF3C-AACE-BE45-5CD2F8257E66}"/>
+              </a:ext>
+            </a:extLst>
+          </p:cNvPr>
+          <p:cNvSpPr txBox="1"/>
+          <p:nvPr/>
+        </p:nvSpPr>
+        <p:spPr>
+          <a:xfrm>
+            <a:off x="5102074" y="3344394"/>
+            <a:ext cx="3790135" cy="707886"/>
+          </a:xfrm>
+          <a:prstGeom prst="rect">
+            <a:avLst/>
+          </a:prstGeom>
+          <a:noFill/>
+          <a:ln>
+            <a:solidFill>
+              <a:schemeClr val="accent1"/>
+            </a:solidFill>
+          </a:ln>
+        </p:spPr>
+        <p:txBody>
+          <a:bodyPr wrap="square" rtlCol="0">
+            <a:spAutoFit/>
+          </a:bodyPr>
+          <a:lstStyle/>
+          <a:p>
+            <a:r>
+              <a:rPr lang="en-US" sz="1000" dirty="0"/>
+              <a:t>+</a:t>
+            </a:r>
+            <a:r>
+              <a:rPr lang="en-US" sz="1000" dirty="0" err="1"/>
+              <a:t>calculate_fees</a:t>
+            </a:r>
+            <a:r>
+              <a:rPr lang="en-US" sz="1000" dirty="0"/>
+              <a:t>(</a:t>
+            </a:r>
+            <a:r>
+              <a:rPr lang="en-US" sz="1000" dirty="0" err="1"/>
+              <a:t>service_id:String,nnumber_of_transactions:Integer</a:t>
+            </a:r>
+            <a:r>
+              <a:rPr lang="en-US" sz="1000" dirty="0"/>
+              <a:t>)</a:t>
+            </a:r>
+          </a:p>
+          <a:p>
+            <a:r>
+              <a:rPr lang="en-US" sz="1000" dirty="0"/>
+              <a:t>+</a:t>
+            </a:r>
+            <a:r>
+              <a:rPr lang="en-US" sz="1000" dirty="0" err="1"/>
+              <a:t>calculate_interest</a:t>
+            </a:r>
+            <a:r>
+              <a:rPr lang="en-US" sz="1000" dirty="0"/>
+              <a:t>()</a:t>
+            </a:r>
+          </a:p>
+          <a:p>
+            <a:r>
+              <a:rPr lang="en-US" sz="1000" dirty="0"/>
+              <a:t>+deposit(</a:t>
+            </a:r>
+            <a:r>
+              <a:rPr lang="en-US" sz="1000" dirty="0" err="1"/>
+              <a:t>amount:Float</a:t>
+            </a:r>
+            <a:r>
+              <a:rPr lang="en-US" sz="1000" dirty="0"/>
+              <a:t>)</a:t>
+            </a:r>
+          </a:p>
+          <a:p>
+            <a:r>
+              <a:rPr lang="en-US" sz="1000" dirty="0"/>
+              <a:t>+withdraw (</a:t>
+            </a:r>
+            <a:r>
+              <a:rPr lang="en-US" sz="1000" dirty="0" err="1"/>
+              <a:t>amount:Float</a:t>
+            </a:r>
+            <a:r>
+              <a:rPr lang="en-US" sz="1000" dirty="0"/>
+              <a:t>)</a:t>
+            </a:r>
+          </a:p>
+        </p:txBody>
+      </p:sp>
+      <p:sp>
+        <p:nvSpPr>
+          <p:cNvPr id="21" name="TextBox 20">
+            <a:extLst>
+              <a:ext uri="{FF2B5EF4-FFF2-40B4-BE49-F238E27FC236}">
+                <a16:creationId xmlns:a16="http://schemas.microsoft.com/office/drawing/2014/main" id="{082AB4CC-59AA-29C8-A4EA-6C2AEEF0700C}"/>
+              </a:ext>
+            </a:extLst>
+          </p:cNvPr>
+          <p:cNvSpPr txBox="1"/>
+          <p:nvPr/>
+        </p:nvSpPr>
+        <p:spPr>
+          <a:xfrm>
+            <a:off x="9799975" y="2597784"/>
+            <a:ext cx="1928199" cy="246221"/>
+          </a:xfrm>
+          <a:prstGeom prst="rect">
+            <a:avLst/>
+          </a:prstGeom>
+          <a:noFill/>
+          <a:ln>
+            <a:solidFill>
+              <a:schemeClr val="accent1"/>
+            </a:solidFill>
+          </a:ln>
+        </p:spPr>
+        <p:txBody>
+          <a:bodyPr wrap="square" rtlCol="0">
+            <a:spAutoFit/>
+          </a:bodyPr>
+          <a:lstStyle/>
+          <a:p>
+            <a:r>
+              <a:rPr lang="en-US" sz="1000" dirty="0" err="1"/>
+              <a:t>LoanTransaction</a:t>
+            </a:r>
+            <a:endParaRPr lang="en-US" sz="1000" dirty="0"/>
+          </a:p>
+        </p:txBody>
+      </p:sp>
+      <p:sp>
+        <p:nvSpPr>
+          <p:cNvPr id="22" name="TextBox 21">
+            <a:extLst>
+              <a:ext uri="{FF2B5EF4-FFF2-40B4-BE49-F238E27FC236}">
+                <a16:creationId xmlns:a16="http://schemas.microsoft.com/office/drawing/2014/main" id="{8918C97D-71FE-8200-385C-2A192695DB32}"/>
+              </a:ext>
+            </a:extLst>
+          </p:cNvPr>
+          <p:cNvSpPr txBox="1"/>
+          <p:nvPr/>
+        </p:nvSpPr>
+        <p:spPr>
+          <a:xfrm>
+            <a:off x="9799973" y="2848545"/>
+            <a:ext cx="1928202" cy="400110"/>
+          </a:xfrm>
+          <a:prstGeom prst="rect">
+            <a:avLst/>
+          </a:prstGeom>
+          <a:noFill/>
+          <a:ln>
+            <a:solidFill>
+              <a:schemeClr val="accent1"/>
+            </a:solidFill>
+          </a:ln>
+        </p:spPr>
+        <p:txBody>
+          <a:bodyPr wrap="square" rtlCol="0">
+            <a:spAutoFit/>
+          </a:bodyPr>
+          <a:lstStyle/>
+          <a:p>
+            <a:r>
+              <a:rPr lang="en-US" sz="1000" dirty="0"/>
+              <a:t>+</a:t>
+            </a:r>
+            <a:r>
+              <a:rPr lang="en-US" sz="1000" dirty="0" err="1"/>
+              <a:t>service_terms:List</a:t>
+            </a:r>
+            <a:r>
+              <a:rPr lang="en-US" sz="1000" dirty="0"/>
+              <a:t> of Tuples</a:t>
+            </a:r>
+          </a:p>
+          <a:p>
+            <a:r>
+              <a:rPr lang="en-US" sz="1000" dirty="0"/>
+              <a:t>+</a:t>
+            </a:r>
+            <a:r>
+              <a:rPr lang="en-US" sz="1000" dirty="0" err="1"/>
+              <a:t>monthly_payment:List</a:t>
+            </a:r>
+            <a:r>
+              <a:rPr lang="en-US" sz="1000" dirty="0"/>
+              <a:t> of Tuples</a:t>
+            </a:r>
+          </a:p>
+        </p:txBody>
+      </p:sp>
+      <p:sp>
+        <p:nvSpPr>
+          <p:cNvPr id="23" name="TextBox 22">
+            <a:extLst>
+              <a:ext uri="{FF2B5EF4-FFF2-40B4-BE49-F238E27FC236}">
+                <a16:creationId xmlns:a16="http://schemas.microsoft.com/office/drawing/2014/main" id="{1D4A371A-57BB-8927-D33B-CA323F83AD21}"/>
+              </a:ext>
+            </a:extLst>
+          </p:cNvPr>
+          <p:cNvSpPr txBox="1"/>
+          <p:nvPr/>
+        </p:nvSpPr>
+        <p:spPr>
+          <a:xfrm>
+            <a:off x="9799973" y="3249542"/>
+            <a:ext cx="1928202" cy="400110"/>
+          </a:xfrm>
+          <a:prstGeom prst="rect">
+            <a:avLst/>
+          </a:prstGeom>
+          <a:noFill/>
+          <a:ln>
+            <a:solidFill>
+              <a:schemeClr val="accent1"/>
+            </a:solidFill>
+          </a:ln>
+        </p:spPr>
+        <p:txBody>
+          <a:bodyPr wrap="square" rtlCol="0">
+            <a:spAutoFit/>
+          </a:bodyPr>
+          <a:lstStyle/>
+          <a:p>
+            <a:r>
+              <a:rPr lang="en-US" sz="1000" dirty="0"/>
+              <a:t>+</a:t>
+            </a:r>
+            <a:r>
+              <a:rPr lang="en-US" sz="1000" dirty="0" err="1"/>
+              <a:t>calculate_monthly_payment</a:t>
+            </a:r>
+            <a:r>
+              <a:rPr lang="en-US" sz="1000" dirty="0"/>
+              <a:t>()</a:t>
+            </a:r>
+          </a:p>
+          <a:p>
+            <a:r>
+              <a:rPr lang="en-US" sz="1000" dirty="0"/>
+              <a:t>+deposit(</a:t>
+            </a:r>
+            <a:r>
+              <a:rPr lang="en-US" sz="1000" dirty="0" err="1"/>
+              <a:t>amount:Float</a:t>
+            </a:r>
+            <a:r>
+              <a:rPr lang="en-US" sz="1000" dirty="0"/>
+              <a:t>)</a:t>
+            </a:r>
+          </a:p>
+        </p:txBody>
+      </p:sp>
+      <p:sp>
+        <p:nvSpPr>
+          <p:cNvPr id="24" name="TextBox 23">
+            <a:extLst>
+              <a:ext uri="{FF2B5EF4-FFF2-40B4-BE49-F238E27FC236}">
+                <a16:creationId xmlns:a16="http://schemas.microsoft.com/office/drawing/2014/main" id="{6DBF429D-02A7-B4C5-7BAD-6C49A78BBAD4}"/>
+              </a:ext>
+            </a:extLst>
+          </p:cNvPr>
+          <p:cNvSpPr txBox="1"/>
+          <p:nvPr/>
+        </p:nvSpPr>
+        <p:spPr>
+          <a:xfrm>
+            <a:off x="2932035" y="4566111"/>
+            <a:ext cx="1517374" cy="246221"/>
+          </a:xfrm>
+          <a:prstGeom prst="rect">
+            <a:avLst/>
+          </a:prstGeom>
+          <a:noFill/>
+          <a:ln>
+            <a:solidFill>
+              <a:schemeClr val="accent1"/>
+            </a:solidFill>
+          </a:ln>
+        </p:spPr>
+        <p:txBody>
+          <a:bodyPr wrap="square" rtlCol="0">
+            <a:spAutoFit/>
+          </a:bodyPr>
+          <a:lstStyle/>
+          <a:p>
+            <a:r>
+              <a:rPr lang="en-US" sz="1000" dirty="0"/>
+              <a:t>Menu</a:t>
+            </a:r>
+          </a:p>
+        </p:txBody>
+      </p:sp>
+      <p:sp>
+        <p:nvSpPr>
+          <p:cNvPr id="25" name="TextBox 24">
+            <a:extLst>
+              <a:ext uri="{FF2B5EF4-FFF2-40B4-BE49-F238E27FC236}">
+                <a16:creationId xmlns:a16="http://schemas.microsoft.com/office/drawing/2014/main" id="{1992AA50-A3F6-1585-6A30-03E3D7DF87CE}"/>
+              </a:ext>
+            </a:extLst>
+          </p:cNvPr>
+          <p:cNvSpPr txBox="1"/>
+          <p:nvPr/>
+        </p:nvSpPr>
+        <p:spPr>
+          <a:xfrm>
+            <a:off x="2932035" y="4816204"/>
+            <a:ext cx="1517374" cy="1169551"/>
+          </a:xfrm>
+          <a:prstGeom prst="rect">
+            <a:avLst/>
+          </a:prstGeom>
+          <a:noFill/>
+          <a:ln>
+            <a:solidFill>
+              <a:schemeClr val="accent1"/>
+            </a:solidFill>
+          </a:ln>
+        </p:spPr>
+        <p:txBody>
+          <a:bodyPr wrap="square" rtlCol="0">
+            <a:spAutoFit/>
+          </a:bodyPr>
+          <a:lstStyle/>
+          <a:p>
+            <a:r>
+              <a:rPr lang="en-US" sz="1000" dirty="0"/>
+              <a:t>*</a:t>
+            </a:r>
+            <a:r>
+              <a:rPr lang="en-US" sz="1000" dirty="0" err="1"/>
+              <a:t>account_id:String</a:t>
+            </a:r>
+            <a:endParaRPr lang="en-US" sz="1000" dirty="0"/>
+          </a:p>
+          <a:p>
+            <a:r>
+              <a:rPr lang="en-US" sz="1000" dirty="0"/>
+              <a:t>*</a:t>
+            </a:r>
+            <a:r>
+              <a:rPr lang="en-US" sz="1000" dirty="0" err="1"/>
+              <a:t>account_type:String</a:t>
+            </a:r>
+            <a:endParaRPr lang="en-US" sz="1000" dirty="0"/>
+          </a:p>
+          <a:p>
+            <a:r>
+              <a:rPr lang="en-US" sz="1000" dirty="0"/>
+              <a:t>*</a:t>
+            </a:r>
+            <a:r>
+              <a:rPr lang="en-US" sz="1000" dirty="0" err="1"/>
+              <a:t>customer_id:String</a:t>
+            </a:r>
+            <a:endParaRPr lang="en-US" sz="1000" dirty="0"/>
+          </a:p>
+          <a:p>
+            <a:r>
+              <a:rPr lang="en-US" sz="1000" dirty="0"/>
+              <a:t>*</a:t>
+            </a:r>
+            <a:r>
+              <a:rPr lang="en-US" sz="1000" dirty="0" err="1"/>
+              <a:t>credit_score:Integer</a:t>
+            </a:r>
+            <a:endParaRPr lang="en-US" sz="1000" dirty="0"/>
+          </a:p>
+          <a:p>
+            <a:r>
+              <a:rPr lang="en-US" sz="1000" dirty="0"/>
+              <a:t>*</a:t>
+            </a:r>
+            <a:r>
+              <a:rPr lang="en-US" sz="1000" dirty="0" err="1"/>
+              <a:t>employee_id:String</a:t>
+            </a:r>
+            <a:endParaRPr lang="en-US" sz="1000" dirty="0"/>
+          </a:p>
+          <a:p>
+            <a:r>
+              <a:rPr lang="en-US" sz="1000" dirty="0"/>
+              <a:t>*</a:t>
+            </a:r>
+            <a:r>
+              <a:rPr lang="en-US" sz="1000" dirty="0" err="1"/>
+              <a:t>service_id:String</a:t>
+            </a:r>
+            <a:endParaRPr lang="en-US" sz="1000" dirty="0"/>
+          </a:p>
+          <a:p>
+            <a:r>
+              <a:rPr lang="en-US" sz="1000" dirty="0"/>
+              <a:t>*</a:t>
+            </a:r>
+            <a:r>
+              <a:rPr lang="en-US" sz="1000" dirty="0" err="1"/>
+              <a:t>amount:Float</a:t>
+            </a:r>
+            <a:endParaRPr lang="en-US" sz="1000" dirty="0"/>
+          </a:p>
+        </p:txBody>
+      </p:sp>
+      <p:sp>
+        <p:nvSpPr>
+          <p:cNvPr id="26" name="TextBox 25">
+            <a:extLst>
+              <a:ext uri="{FF2B5EF4-FFF2-40B4-BE49-F238E27FC236}">
+                <a16:creationId xmlns:a16="http://schemas.microsoft.com/office/drawing/2014/main" id="{CDC5A4CE-2ACC-EDD3-0AD8-72EF6FB29BF3}"/>
+              </a:ext>
+            </a:extLst>
+          </p:cNvPr>
+          <p:cNvSpPr txBox="1"/>
+          <p:nvPr/>
+        </p:nvSpPr>
+        <p:spPr>
+          <a:xfrm>
+            <a:off x="2932035" y="5995168"/>
+            <a:ext cx="1517374" cy="861774"/>
+          </a:xfrm>
+          <a:prstGeom prst="rect">
+            <a:avLst/>
+          </a:prstGeom>
+          <a:noFill/>
+          <a:ln>
+            <a:solidFill>
+              <a:schemeClr val="accent1"/>
+            </a:solidFill>
+          </a:ln>
+        </p:spPr>
+        <p:txBody>
+          <a:bodyPr wrap="square" rtlCol="0">
+            <a:spAutoFit/>
+          </a:bodyPr>
+          <a:lstStyle/>
+          <a:p>
+            <a:r>
+              <a:rPr lang="en-US" sz="1000" dirty="0"/>
+              <a:t>*</a:t>
+            </a:r>
+            <a:r>
+              <a:rPr lang="en-US" sz="1000" dirty="0" err="1"/>
+              <a:t>initial_menu</a:t>
+            </a:r>
+            <a:r>
+              <a:rPr lang="en-US" sz="1000" dirty="0"/>
+              <a:t>()</a:t>
+            </a:r>
+          </a:p>
+          <a:p>
+            <a:r>
+              <a:rPr lang="en-US" sz="1000" dirty="0"/>
+              <a:t>*</a:t>
+            </a:r>
+            <a:r>
+              <a:rPr lang="en-US" sz="1000" dirty="0" err="1"/>
+              <a:t>access_account_menu</a:t>
+            </a:r>
+            <a:r>
+              <a:rPr lang="en-US" sz="1000" dirty="0"/>
+              <a:t>()</a:t>
+            </a:r>
+          </a:p>
+          <a:p>
+            <a:r>
+              <a:rPr lang="en-US" sz="1000" dirty="0"/>
+              <a:t>*</a:t>
+            </a:r>
+            <a:r>
+              <a:rPr lang="en-US" sz="1000" dirty="0" err="1"/>
+              <a:t>access_loan_menu</a:t>
+            </a:r>
+            <a:r>
+              <a:rPr lang="en-US" sz="1000" dirty="0"/>
+              <a:t>()</a:t>
+            </a:r>
+          </a:p>
+          <a:p>
+            <a:r>
+              <a:rPr lang="en-US" sz="1000" dirty="0"/>
+              <a:t>*</a:t>
+            </a:r>
+            <a:r>
+              <a:rPr lang="en-US" sz="1000" dirty="0" err="1"/>
+              <a:t>previous_page</a:t>
+            </a:r>
+            <a:r>
+              <a:rPr lang="en-US" sz="1000" dirty="0"/>
+              <a:t>()</a:t>
+            </a:r>
+          </a:p>
+          <a:p>
+            <a:r>
+              <a:rPr lang="en-US" sz="1000" dirty="0"/>
+              <a:t>*Run()</a:t>
+            </a:r>
+          </a:p>
+        </p:txBody>
+      </p:sp>
+      <p:sp>
+        <p:nvSpPr>
+          <p:cNvPr id="31" name="TextBox 30">
+            <a:extLst>
+              <a:ext uri="{FF2B5EF4-FFF2-40B4-BE49-F238E27FC236}">
+                <a16:creationId xmlns:a16="http://schemas.microsoft.com/office/drawing/2014/main" id="{684D1BB7-33AD-7FE7-37C5-70B54D6DDEC9}"/>
+              </a:ext>
+            </a:extLst>
+          </p:cNvPr>
+          <p:cNvSpPr txBox="1"/>
+          <p:nvPr/>
+        </p:nvSpPr>
+        <p:spPr>
+          <a:xfrm>
+            <a:off x="8686789" y="434455"/>
+            <a:ext cx="1941454" cy="369332"/>
+          </a:xfrm>
+          <a:prstGeom prst="rect">
+            <a:avLst/>
+          </a:prstGeom>
+          <a:noFill/>
+        </p:spPr>
+        <p:txBody>
+          <a:bodyPr wrap="square" rtlCol="0">
+            <a:spAutoFit/>
+          </a:bodyPr>
+          <a:lstStyle/>
+          <a:p>
+            <a:r>
+              <a:rPr lang="en-US" dirty="0"/>
+              <a:t>Database Layer</a:t>
+            </a:r>
+          </a:p>
+        </p:txBody>
+      </p:sp>
+      <p:sp>
+        <p:nvSpPr>
+          <p:cNvPr id="32" name="TextBox 31">
+            <a:extLst>
+              <a:ext uri="{FF2B5EF4-FFF2-40B4-BE49-F238E27FC236}">
+                <a16:creationId xmlns:a16="http://schemas.microsoft.com/office/drawing/2014/main" id="{7E248C4C-9135-32B9-CE77-09D4F82D35BB}"/>
+              </a:ext>
+            </a:extLst>
+          </p:cNvPr>
+          <p:cNvSpPr txBox="1"/>
+          <p:nvPr/>
+        </p:nvSpPr>
+        <p:spPr>
+          <a:xfrm>
+            <a:off x="9213570" y="4085067"/>
+            <a:ext cx="2829345" cy="369332"/>
+          </a:xfrm>
+          <a:prstGeom prst="rect">
+            <a:avLst/>
+          </a:prstGeom>
+          <a:noFill/>
+        </p:spPr>
+        <p:txBody>
+          <a:bodyPr wrap="square" rtlCol="0">
+            <a:spAutoFit/>
+          </a:bodyPr>
+          <a:lstStyle/>
+          <a:p>
+            <a:r>
+              <a:rPr lang="en-US" dirty="0"/>
+              <a:t>Transaction Layer</a:t>
+            </a:r>
+          </a:p>
+        </p:txBody>
+      </p:sp>
+      <p:sp>
+        <p:nvSpPr>
+          <p:cNvPr id="33" name="TextBox 32">
+            <a:extLst>
+              <a:ext uri="{FF2B5EF4-FFF2-40B4-BE49-F238E27FC236}">
+                <a16:creationId xmlns:a16="http://schemas.microsoft.com/office/drawing/2014/main" id="{075D1FFA-4AB2-3C34-6FEF-565AF06F5ECC}"/>
+              </a:ext>
+            </a:extLst>
+          </p:cNvPr>
+          <p:cNvSpPr txBox="1"/>
+          <p:nvPr/>
+        </p:nvSpPr>
+        <p:spPr>
+          <a:xfrm>
+            <a:off x="8799437" y="5340182"/>
+            <a:ext cx="2829345" cy="369332"/>
+          </a:xfrm>
+          <a:prstGeom prst="rect">
+            <a:avLst/>
+          </a:prstGeom>
+          <a:noFill/>
+        </p:spPr>
+        <p:txBody>
+          <a:bodyPr wrap="square" rtlCol="0">
+            <a:spAutoFit/>
+          </a:bodyPr>
+          <a:lstStyle/>
+          <a:p>
+            <a:r>
+              <a:rPr lang="en-US" dirty="0"/>
+              <a:t>Presentation Layer</a:t>
+            </a:r>
+          </a:p>
+        </p:txBody>
+      </p:sp>
+      <p:sp>
+        <p:nvSpPr>
+          <p:cNvPr id="44" name="TextBox 43">
+            <a:extLst>
+              <a:ext uri="{FF2B5EF4-FFF2-40B4-BE49-F238E27FC236}">
+                <a16:creationId xmlns:a16="http://schemas.microsoft.com/office/drawing/2014/main" id="{69E48983-4CC2-E235-5DC6-00CE77861D97}"/>
+              </a:ext>
+            </a:extLst>
+          </p:cNvPr>
+          <p:cNvSpPr txBox="1"/>
+          <p:nvPr/>
+        </p:nvSpPr>
+        <p:spPr>
+          <a:xfrm>
+            <a:off x="119270" y="1721926"/>
+            <a:ext cx="4330139" cy="246221"/>
+          </a:xfrm>
+          <a:prstGeom prst="rect">
+            <a:avLst/>
+          </a:prstGeom>
+          <a:noFill/>
+          <a:ln>
+            <a:solidFill>
+              <a:schemeClr val="accent1"/>
+            </a:solidFill>
+          </a:ln>
+        </p:spPr>
+        <p:txBody>
+          <a:bodyPr wrap="square" rtlCol="0">
+            <a:spAutoFit/>
+          </a:bodyPr>
+          <a:lstStyle/>
+          <a:p>
+            <a:r>
+              <a:rPr lang="en-US" sz="1000" dirty="0" err="1"/>
+              <a:t>BankTransaction</a:t>
+            </a:r>
+            <a:endParaRPr lang="en-US" sz="1000" dirty="0"/>
+          </a:p>
+        </p:txBody>
+      </p:sp>
+      <p:sp>
+        <p:nvSpPr>
+          <p:cNvPr id="45" name="TextBox 44">
+            <a:extLst>
+              <a:ext uri="{FF2B5EF4-FFF2-40B4-BE49-F238E27FC236}">
+                <a16:creationId xmlns:a16="http://schemas.microsoft.com/office/drawing/2014/main" id="{5BAFD55F-E55B-EDB6-4360-BAC203DA368F}"/>
+              </a:ext>
+            </a:extLst>
+          </p:cNvPr>
+          <p:cNvSpPr txBox="1"/>
+          <p:nvPr/>
+        </p:nvSpPr>
+        <p:spPr>
+          <a:xfrm>
+            <a:off x="119270" y="1960651"/>
+            <a:ext cx="4330139" cy="1785104"/>
+          </a:xfrm>
+          <a:prstGeom prst="rect">
+            <a:avLst/>
+          </a:prstGeom>
+          <a:noFill/>
+          <a:ln>
+            <a:solidFill>
+              <a:schemeClr val="accent1"/>
+            </a:solidFill>
+          </a:ln>
+        </p:spPr>
+        <p:txBody>
+          <a:bodyPr wrap="square" rtlCol="0">
+            <a:spAutoFit/>
+          </a:bodyPr>
+          <a:lstStyle/>
+          <a:p>
+            <a:r>
+              <a:rPr lang="en-US" sz="1000" dirty="0"/>
+              <a:t>+</a:t>
+            </a:r>
+            <a:r>
+              <a:rPr lang="en-US" sz="1000" dirty="0" err="1"/>
+              <a:t>account_id:String</a:t>
+            </a:r>
+            <a:endParaRPr lang="en-US" sz="1000" dirty="0"/>
+          </a:p>
+          <a:p>
+            <a:r>
+              <a:rPr lang="en-US" sz="1000" dirty="0"/>
+              <a:t>+</a:t>
+            </a:r>
+            <a:r>
+              <a:rPr lang="en-US" sz="1000" dirty="0" err="1"/>
+              <a:t>account_type:String</a:t>
+            </a:r>
+            <a:endParaRPr lang="en-US" sz="1000" dirty="0"/>
+          </a:p>
+          <a:p>
+            <a:r>
+              <a:rPr lang="en-US" sz="1000" dirty="0"/>
+              <a:t>+</a:t>
+            </a:r>
+            <a:r>
+              <a:rPr lang="en-US" sz="1000" dirty="0" err="1"/>
+              <a:t>customer_id:String</a:t>
+            </a:r>
+            <a:endParaRPr lang="en-US" sz="1000" dirty="0"/>
+          </a:p>
+          <a:p>
+            <a:r>
+              <a:rPr lang="en-US" sz="1000" dirty="0"/>
+              <a:t>+</a:t>
+            </a:r>
+            <a:r>
+              <a:rPr lang="en-US" sz="1000" dirty="0" err="1"/>
+              <a:t>credit_score:Integer</a:t>
+            </a:r>
+            <a:endParaRPr lang="en-US" sz="1000" dirty="0"/>
+          </a:p>
+          <a:p>
+            <a:r>
+              <a:rPr lang="en-US" sz="1000" dirty="0"/>
+              <a:t>+</a:t>
+            </a:r>
+            <a:r>
+              <a:rPr lang="en-US" sz="1000" dirty="0" err="1"/>
+              <a:t>employee_id:String</a:t>
+            </a:r>
+            <a:endParaRPr lang="en-US" sz="1000" dirty="0"/>
+          </a:p>
+          <a:p>
+            <a:r>
+              <a:rPr lang="en-US" sz="1000" dirty="0"/>
+              <a:t>+</a:t>
+            </a:r>
+            <a:r>
+              <a:rPr lang="en-US" sz="1000" dirty="0" err="1"/>
+              <a:t>new_account_indicator:Boolean</a:t>
+            </a:r>
+            <a:endParaRPr lang="en-US" sz="1000" dirty="0"/>
+          </a:p>
+          <a:p>
+            <a:r>
+              <a:rPr lang="en-US" sz="1000" dirty="0"/>
+              <a:t>+</a:t>
+            </a:r>
+            <a:r>
+              <a:rPr lang="en-US" sz="1000" dirty="0" err="1"/>
+              <a:t>customer_name:String</a:t>
+            </a:r>
+            <a:endParaRPr lang="en-US" sz="1000" dirty="0"/>
+          </a:p>
+          <a:p>
+            <a:r>
+              <a:rPr lang="en-US" sz="1000" dirty="0"/>
+              <a:t>+</a:t>
+            </a:r>
+            <a:r>
+              <a:rPr lang="en-US" sz="1000" dirty="0" err="1"/>
+              <a:t>original_balance:Float</a:t>
+            </a:r>
+            <a:endParaRPr lang="en-US" sz="1000" dirty="0"/>
+          </a:p>
+          <a:p>
+            <a:r>
+              <a:rPr lang="en-US" sz="1000" dirty="0"/>
+              <a:t>+</a:t>
+            </a:r>
+            <a:r>
+              <a:rPr lang="en-US" sz="1000" dirty="0" err="1"/>
+              <a:t>current_balance:Float</a:t>
+            </a:r>
+            <a:endParaRPr lang="en-US" sz="1000" dirty="0"/>
+          </a:p>
+          <a:p>
+            <a:r>
+              <a:rPr lang="en-US" sz="1000" dirty="0"/>
+              <a:t>+</a:t>
+            </a:r>
+            <a:r>
+              <a:rPr lang="en-US" sz="1000" dirty="0" err="1"/>
+              <a:t>transaction_time:DateTime</a:t>
+            </a:r>
+            <a:endParaRPr lang="en-US" sz="1000" dirty="0"/>
+          </a:p>
+          <a:p>
+            <a:r>
+              <a:rPr lang="en-US" sz="1000" dirty="0"/>
+              <a:t>+</a:t>
+            </a:r>
+            <a:r>
+              <a:rPr lang="en-US" sz="1000" dirty="0" err="1"/>
+              <a:t>Interest_indicator:Integer</a:t>
+            </a:r>
+            <a:endParaRPr lang="en-US" sz="1000" dirty="0"/>
+          </a:p>
+        </p:txBody>
+      </p:sp>
+      <p:sp>
+        <p:nvSpPr>
+          <p:cNvPr id="46" name="TextBox 45">
+            <a:extLst>
+              <a:ext uri="{FF2B5EF4-FFF2-40B4-BE49-F238E27FC236}">
+                <a16:creationId xmlns:a16="http://schemas.microsoft.com/office/drawing/2014/main" id="{3DD179A5-F2A9-90D1-4775-8AB701ECD3D7}"/>
+              </a:ext>
+            </a:extLst>
+          </p:cNvPr>
+          <p:cNvSpPr txBox="1"/>
+          <p:nvPr/>
+        </p:nvSpPr>
+        <p:spPr>
+          <a:xfrm>
+            <a:off x="119270" y="3753150"/>
+            <a:ext cx="4330139" cy="707886"/>
+          </a:xfrm>
+          <a:prstGeom prst="rect">
+            <a:avLst/>
+          </a:prstGeom>
+          <a:noFill/>
+          <a:ln>
+            <a:solidFill>
+              <a:schemeClr val="accent1"/>
+            </a:solidFill>
+          </a:ln>
+        </p:spPr>
+        <p:txBody>
+          <a:bodyPr wrap="square" rtlCol="0">
+            <a:spAutoFit/>
+          </a:bodyPr>
+          <a:lstStyle/>
+          <a:p>
+            <a:r>
+              <a:rPr lang="en-US" sz="1000" dirty="0"/>
+              <a:t>+</a:t>
+            </a:r>
+            <a:r>
+              <a:rPr lang="en-US" sz="1000" dirty="0" err="1"/>
+              <a:t>deposit_amount</a:t>
+            </a:r>
+            <a:r>
+              <a:rPr lang="en-US" sz="1000" dirty="0"/>
+              <a:t>(</a:t>
+            </a:r>
+            <a:r>
+              <a:rPr lang="en-US" sz="1000" dirty="0" err="1"/>
+              <a:t>amount:float,service_id:String,transaction_notes:String</a:t>
+            </a:r>
+            <a:r>
+              <a:rPr lang="en-US" sz="1000" dirty="0"/>
+              <a:t>)</a:t>
+            </a:r>
+          </a:p>
+          <a:p>
+            <a:r>
+              <a:rPr lang="en-US" sz="1000" dirty="0"/>
+              <a:t>+</a:t>
+            </a:r>
+            <a:r>
+              <a:rPr lang="en-US" sz="1000" dirty="0" err="1"/>
+              <a:t>withdraw_amount</a:t>
+            </a:r>
+            <a:r>
+              <a:rPr lang="en-US" sz="1000" dirty="0"/>
+              <a:t>(</a:t>
+            </a:r>
+            <a:r>
+              <a:rPr lang="en-US" sz="1000" dirty="0" err="1"/>
+              <a:t>amount:float,service_id:String,transaction_notes:String</a:t>
+            </a:r>
+            <a:r>
+              <a:rPr lang="en-US" sz="1000" dirty="0"/>
+              <a:t>)</a:t>
+            </a:r>
+          </a:p>
+          <a:p>
+            <a:r>
+              <a:rPr lang="en-US" sz="1000" dirty="0"/>
+              <a:t>+</a:t>
+            </a:r>
+            <a:r>
+              <a:rPr lang="en-US" sz="1000" dirty="0" err="1"/>
+              <a:t>get_current_balance</a:t>
+            </a:r>
+            <a:r>
+              <a:rPr lang="en-US" sz="1000" dirty="0"/>
+              <a:t>(</a:t>
+            </a:r>
+            <a:r>
+              <a:rPr lang="en-US" sz="1000" dirty="0" err="1"/>
+              <a:t>print_indicator:Boolean</a:t>
+            </a:r>
+            <a:r>
+              <a:rPr lang="en-US" sz="1000" dirty="0"/>
+              <a:t>)</a:t>
+            </a:r>
+          </a:p>
+          <a:p>
+            <a:r>
+              <a:rPr lang="en-US" sz="1000" dirty="0"/>
+              <a:t>+</a:t>
+            </a:r>
+            <a:r>
+              <a:rPr lang="en-US" sz="1000" dirty="0" err="1"/>
+              <a:t>get_latest_transactions</a:t>
+            </a:r>
+            <a:r>
+              <a:rPr lang="en-US" sz="1000" dirty="0"/>
+              <a:t>(</a:t>
+            </a:r>
+            <a:r>
+              <a:rPr lang="en-US" sz="1000" dirty="0" err="1"/>
+              <a:t>number_of_transactions:Integer</a:t>
+            </a:r>
+            <a:r>
+              <a:rPr lang="en-US" sz="1000" dirty="0"/>
+              <a:t>)</a:t>
+            </a:r>
+          </a:p>
+        </p:txBody>
+      </p:sp>
+      <p:cxnSp>
+        <p:nvCxnSpPr>
+          <p:cNvPr id="54" name="Straight Connector 53">
+            <a:extLst>
+              <a:ext uri="{FF2B5EF4-FFF2-40B4-BE49-F238E27FC236}">
+                <a16:creationId xmlns:a16="http://schemas.microsoft.com/office/drawing/2014/main" id="{00747FA5-C869-E1CA-CEFB-4E5293AA37E3}"/>
+              </a:ext>
+            </a:extLst>
+          </p:cNvPr>
+          <p:cNvCxnSpPr>
+            <a:cxnSpLocks/>
+          </p:cNvCxnSpPr>
+          <p:nvPr/>
+        </p:nvCxnSpPr>
+        <p:spPr>
+          <a:xfrm>
+            <a:off x="0" y="1667957"/>
+            <a:ext cx="12192000" cy="38541"/>
+          </a:xfrm>
+          <a:prstGeom prst="line">
+            <a:avLst/>
+          </a:prstGeom>
+          <a:ln w="25400">
+            <a:solidFill>
+              <a:schemeClr val="accent6"/>
+            </a:solidFill>
+          </a:ln>
+        </p:spPr>
+        <p:style>
+          <a:lnRef idx="1">
+            <a:schemeClr val="accent1"/>
+          </a:lnRef>
+          <a:fillRef idx="0">
+            <a:schemeClr val="accent1"/>
+          </a:fillRef>
+          <a:effectRef idx="0">
+            <a:schemeClr val="accent1"/>
+          </a:effectRef>
+          <a:fontRef idx="minor">
+            <a:schemeClr val="tx1"/>
+          </a:fontRef>
+        </p:style>
+      </p:cxnSp>
+      <p:cxnSp>
+        <p:nvCxnSpPr>
+          <p:cNvPr id="56" name="Straight Arrow Connector 55">
+            <a:extLst>
+              <a:ext uri="{FF2B5EF4-FFF2-40B4-BE49-F238E27FC236}">
+                <a16:creationId xmlns:a16="http://schemas.microsoft.com/office/drawing/2014/main" id="{BAC1A759-E4D6-E52A-908C-A0CC00F51396}"/>
+              </a:ext>
+            </a:extLst>
+          </p:cNvPr>
+          <p:cNvCxnSpPr>
+            <a:cxnSpLocks/>
+            <a:endCxn id="8" idx="1"/>
+          </p:cNvCxnSpPr>
+          <p:nvPr/>
+        </p:nvCxnSpPr>
+        <p:spPr>
+          <a:xfrm>
+            <a:off x="2802829" y="1062139"/>
+            <a:ext cx="2007708" cy="5592"/>
+          </a:xfrm>
+          <a:prstGeom prst="straightConnector1">
+            <a:avLst/>
+          </a:prstGeom>
+          <a:ln>
+            <a:headEnd type="none"/>
+            <a:tailEnd type="arrow"/>
+          </a:ln>
+        </p:spPr>
+        <p:style>
+          <a:lnRef idx="1">
+            <a:schemeClr val="accent1"/>
+          </a:lnRef>
+          <a:fillRef idx="0">
+            <a:schemeClr val="accent1"/>
+          </a:fillRef>
+          <a:effectRef idx="0">
+            <a:schemeClr val="accent1"/>
+          </a:effectRef>
+          <a:fontRef idx="minor">
+            <a:schemeClr val="tx1"/>
+          </a:fontRef>
+        </p:style>
+      </p:cxnSp>
+      <p:sp>
+        <p:nvSpPr>
+          <p:cNvPr id="57" name="TextBox 56">
+            <a:extLst>
+              <a:ext uri="{FF2B5EF4-FFF2-40B4-BE49-F238E27FC236}">
+                <a16:creationId xmlns:a16="http://schemas.microsoft.com/office/drawing/2014/main" id="{5986D3DE-F576-1943-EE23-88B0EDC20BB7}"/>
+              </a:ext>
+            </a:extLst>
+          </p:cNvPr>
+          <p:cNvSpPr txBox="1"/>
+          <p:nvPr/>
+        </p:nvSpPr>
+        <p:spPr>
+          <a:xfrm>
+            <a:off x="2932035" y="619121"/>
+            <a:ext cx="274978" cy="369332"/>
+          </a:xfrm>
+          <a:prstGeom prst="rect">
+            <a:avLst/>
+          </a:prstGeom>
+          <a:noFill/>
+        </p:spPr>
+        <p:txBody>
+          <a:bodyPr wrap="square" rtlCol="0">
+            <a:spAutoFit/>
+          </a:bodyPr>
+          <a:lstStyle/>
+          <a:p>
+            <a:r>
+              <a:rPr lang="en-US" dirty="0"/>
+              <a:t>1</a:t>
+            </a:r>
+          </a:p>
+        </p:txBody>
+      </p:sp>
+      <p:sp>
+        <p:nvSpPr>
+          <p:cNvPr id="58" name="TextBox 57">
+            <a:extLst>
+              <a:ext uri="{FF2B5EF4-FFF2-40B4-BE49-F238E27FC236}">
+                <a16:creationId xmlns:a16="http://schemas.microsoft.com/office/drawing/2014/main" id="{4E48281D-B82E-DB79-9D00-413432CABF7F}"/>
+              </a:ext>
+            </a:extLst>
+          </p:cNvPr>
+          <p:cNvSpPr txBox="1"/>
+          <p:nvPr/>
+        </p:nvSpPr>
+        <p:spPr>
+          <a:xfrm>
+            <a:off x="4449409" y="602907"/>
+            <a:ext cx="274978" cy="369332"/>
+          </a:xfrm>
+          <a:prstGeom prst="rect">
+            <a:avLst/>
+          </a:prstGeom>
+          <a:noFill/>
+        </p:spPr>
+        <p:txBody>
+          <a:bodyPr wrap="square" rtlCol="0">
+            <a:spAutoFit/>
+          </a:bodyPr>
+          <a:lstStyle/>
+          <a:p>
+            <a:r>
+              <a:rPr lang="en-US" dirty="0"/>
+              <a:t>1</a:t>
+            </a:r>
+          </a:p>
+        </p:txBody>
+      </p:sp>
+      <p:cxnSp>
+        <p:nvCxnSpPr>
+          <p:cNvPr id="59" name="Straight Arrow Connector 58">
+            <a:extLst>
+              <a:ext uri="{FF2B5EF4-FFF2-40B4-BE49-F238E27FC236}">
+                <a16:creationId xmlns:a16="http://schemas.microsoft.com/office/drawing/2014/main" id="{ED882398-8B2A-274C-97BA-0BB400E93B72}"/>
+              </a:ext>
+            </a:extLst>
+          </p:cNvPr>
+          <p:cNvCxnSpPr>
+            <a:cxnSpLocks/>
+          </p:cNvCxnSpPr>
+          <p:nvPr/>
+        </p:nvCxnSpPr>
+        <p:spPr>
+          <a:xfrm flipH="1">
+            <a:off x="4449409" y="3178288"/>
+            <a:ext cx="649349" cy="0"/>
+          </a:xfrm>
+          <a:prstGeom prst="straightConnector1">
+            <a:avLst/>
+          </a:prstGeom>
+          <a:ln>
+            <a:miter lim="800000"/>
+            <a:headEnd type="none"/>
+            <a:tailEnd type="triangle"/>
+          </a:ln>
+        </p:spPr>
+        <p:style>
+          <a:lnRef idx="1">
+            <a:schemeClr val="accent1"/>
+          </a:lnRef>
+          <a:fillRef idx="0">
+            <a:schemeClr val="accent1"/>
+          </a:fillRef>
+          <a:effectRef idx="0">
+            <a:schemeClr val="accent1"/>
+          </a:effectRef>
+          <a:fontRef idx="minor">
+            <a:schemeClr val="tx1"/>
+          </a:fontRef>
+        </p:style>
+      </p:cxnSp>
+      <p:cxnSp>
+        <p:nvCxnSpPr>
+          <p:cNvPr id="61" name="Straight Arrow Connector 60">
+            <a:extLst>
+              <a:ext uri="{FF2B5EF4-FFF2-40B4-BE49-F238E27FC236}">
+                <a16:creationId xmlns:a16="http://schemas.microsoft.com/office/drawing/2014/main" id="{ED7C7937-18B6-168E-45D6-D4F34EAA628A}"/>
+              </a:ext>
+            </a:extLst>
+          </p:cNvPr>
+          <p:cNvCxnSpPr>
+            <a:cxnSpLocks/>
+          </p:cNvCxnSpPr>
+          <p:nvPr/>
+        </p:nvCxnSpPr>
+        <p:spPr>
+          <a:xfrm flipH="1">
+            <a:off x="8892208" y="3101264"/>
+            <a:ext cx="907765" cy="16792"/>
+          </a:xfrm>
+          <a:prstGeom prst="straightConnector1">
+            <a:avLst/>
+          </a:prstGeom>
+          <a:ln>
+            <a:miter lim="800000"/>
+            <a:headEnd type="none"/>
+            <a:tailEnd type="triangle"/>
+          </a:ln>
+        </p:spPr>
+        <p:style>
+          <a:lnRef idx="1">
+            <a:schemeClr val="accent1"/>
+          </a:lnRef>
+          <a:fillRef idx="0">
+            <a:schemeClr val="accent1"/>
+          </a:fillRef>
+          <a:effectRef idx="0">
+            <a:schemeClr val="accent1"/>
+          </a:effectRef>
+          <a:fontRef idx="minor">
+            <a:schemeClr val="tx1"/>
+          </a:fontRef>
+        </p:style>
+      </p:cxnSp>
+      <p:cxnSp>
+        <p:nvCxnSpPr>
+          <p:cNvPr id="73" name="Straight Connector 72">
+            <a:extLst>
+              <a:ext uri="{FF2B5EF4-FFF2-40B4-BE49-F238E27FC236}">
+                <a16:creationId xmlns:a16="http://schemas.microsoft.com/office/drawing/2014/main" id="{C01B0375-ABD5-2CBC-13EB-26DBA0AECB02}"/>
+              </a:ext>
+            </a:extLst>
+          </p:cNvPr>
+          <p:cNvCxnSpPr>
+            <a:cxnSpLocks/>
+          </p:cNvCxnSpPr>
+          <p:nvPr/>
+        </p:nvCxnSpPr>
+        <p:spPr>
+          <a:xfrm>
+            <a:off x="-13260" y="4550755"/>
+            <a:ext cx="12192000" cy="38541"/>
+          </a:xfrm>
+          <a:prstGeom prst="line">
+            <a:avLst/>
+          </a:prstGeom>
+          <a:ln w="25400">
+            <a:solidFill>
+              <a:schemeClr val="accent6"/>
+            </a:solidFill>
+          </a:ln>
+        </p:spPr>
+        <p:style>
+          <a:lnRef idx="1">
+            <a:schemeClr val="accent1"/>
+          </a:lnRef>
+          <a:fillRef idx="0">
+            <a:schemeClr val="accent1"/>
+          </a:fillRef>
+          <a:effectRef idx="0">
+            <a:schemeClr val="accent1"/>
+          </a:effectRef>
+          <a:fontRef idx="minor">
+            <a:schemeClr val="tx1"/>
+          </a:fontRef>
+        </p:style>
+      </p:cxnSp>
+    </p:spTree>
+    <p:extLst>
+      <p:ext uri="{BB962C8B-B14F-4D97-AF65-F5344CB8AC3E}">
+        <p14:creationId xmlns:p14="http://schemas.microsoft.com/office/powerpoint/2010/main" val="2483010769"/>
       </p:ext>
     </p:extLst>
   </p:cSld>
